--- a/officer/output.pptx
+++ b/officer/output.pptx
@@ -9,6 +9,16 @@
     <p:sldId id="257" r:id="rId7"/>
     <p:sldId id="258" r:id="rId8"/>
     <p:sldId id="259" r:id="rId9"/>
+    <p:sldId id="260" r:id="rId10"/>
+    <p:sldId id="261" r:id="rId11"/>
+    <p:sldId id="262" r:id="rId12"/>
+    <p:sldId id="263" r:id="rId13"/>
+    <p:sldId id="264" r:id="rId14"/>
+    <p:sldId id="265" r:id="rId15"/>
+    <p:sldId id="266" r:id="rId16"/>
+    <p:sldId id="267" r:id="rId17"/>
+    <p:sldId id="268" r:id="rId18"/>
+    <p:sldId id="269" r:id="rId19"/>
   </p:sldIdLst>
   <p:sldSz cx="12192000" cy="6858000"/>
   <p:notesSz cx="6858000" cy="9144000"/>
@@ -5345,7 +5355,119 @@
       </p:grpSpPr>
       <p:sp xmlns:a="http://schemas.openxmlformats.org/drawingml/2006/main" xmlns:r="http://schemas.openxmlformats.org/officeDocument/2006/relationships" xmlns:p="http://schemas.openxmlformats.org/presentationml/2006/main">
         <p:nvSpPr>
-          <p:cNvPr id="2" name="Title 1"/>
+          <p:cNvPr id="2" name="Freeform 6"/>
+          <p:cNvSpPr>
+            <a:spLocks noGrp="1"/>
+          </p:cNvSpPr>
+          <p:nvPr>
+            <p:ph/>
+          </p:nvPr>
+        </p:nvSpPr>
+        <p:spPr>
+          <a:xfrm>
+            <a:off x="0" y="-3175"/>
+            <a:ext cx="12192000" cy="5203825"/>
+          </a:xfrm>
+        </p:spPr>
+        <p:txBody>
+          <a:bodyPr/>
+          <a:lstStyle/>
+          <a:p>
+            <a:r>
+              <a:rPr/>
+              <a:t>Position:  body 
+Layout:  Title Slide</a:t>
+            </a:r>
+          </a:p>
+        </p:txBody>
+      </p:sp>
+      <p:sp xmlns:a="http://schemas.openxmlformats.org/drawingml/2006/main" xmlns:r="http://schemas.openxmlformats.org/officeDocument/2006/relationships" xmlns:p="http://schemas.openxmlformats.org/presentationml/2006/main">
+        <p:nvSpPr>
+          <p:cNvPr id="3" name="Date Placeholder 3"/>
+          <p:cNvSpPr>
+            <a:spLocks noGrp="1"/>
+          </p:cNvSpPr>
+          <p:nvPr>
+            <p:ph type="dt" sz="half" idx="10"/>
+          </p:nvPr>
+        </p:nvSpPr>
+        <p:spPr>
+          <a:xfrm>
+            <a:off x="9334626" y="6041362"/>
+            <a:ext cx="1343706" cy="365125"/>
+          </a:xfrm>
+        </p:spPr>
+        <p:txBody>
+          <a:bodyPr/>
+          <a:lstStyle/>
+          <a:p>
+            <a:r>
+              <a:rPr/>
+              <a:t>Position:  dt 
+Layout:  Title Slide</a:t>
+            </a:r>
+          </a:p>
+        </p:txBody>
+      </p:sp>
+      <p:sp xmlns:a="http://schemas.openxmlformats.org/drawingml/2006/main" xmlns:r="http://schemas.openxmlformats.org/officeDocument/2006/relationships" xmlns:p="http://schemas.openxmlformats.org/presentationml/2006/main">
+        <p:nvSpPr>
+          <p:cNvPr id="4" name="Footer Placeholder 4"/>
+          <p:cNvSpPr>
+            <a:spLocks noGrp="1"/>
+          </p:cNvSpPr>
+          <p:nvPr>
+            <p:ph type="ftr" sz="quarter" idx="11"/>
+          </p:nvPr>
+        </p:nvSpPr>
+        <p:spPr>
+          <a:xfrm>
+            <a:off x="451514" y="6041362"/>
+            <a:ext cx="8644320" cy="365125"/>
+          </a:xfrm>
+        </p:spPr>
+        <p:txBody>
+          <a:bodyPr/>
+          <a:lstStyle/>
+          <a:p>
+            <a:r>
+              <a:rPr/>
+              <a:t>Position:  ftr 
+Layout:  Title Slide</a:t>
+            </a:r>
+          </a:p>
+        </p:txBody>
+      </p:sp>
+      <p:sp xmlns:a="http://schemas.openxmlformats.org/drawingml/2006/main" xmlns:r="http://schemas.openxmlformats.org/officeDocument/2006/relationships" xmlns:p="http://schemas.openxmlformats.org/presentationml/2006/main">
+        <p:nvSpPr>
+          <p:cNvPr id="5" name="Slide Number Placeholder 5"/>
+          <p:cNvSpPr>
+            <a:spLocks noGrp="1"/>
+          </p:cNvSpPr>
+          <p:nvPr>
+            <p:ph type="sldNum" sz="quarter" idx="12"/>
+          </p:nvPr>
+        </p:nvSpPr>
+        <p:spPr>
+          <a:xfrm>
+            <a:off x="10678331" y="5915888"/>
+            <a:ext cx="1062155" cy="490599"/>
+          </a:xfrm>
+        </p:spPr>
+        <p:txBody>
+          <a:bodyPr/>
+          <a:lstStyle/>
+          <a:p>
+            <a:r>
+              <a:rPr/>
+              <a:t>Position:  sldNum 
+Layout:  Title Slide</a:t>
+            </a:r>
+          </a:p>
+        </p:txBody>
+      </p:sp>
+      <p:sp xmlns:a="http://schemas.openxmlformats.org/drawingml/2006/main" xmlns:r="http://schemas.openxmlformats.org/officeDocument/2006/relationships" xmlns:p="http://schemas.openxmlformats.org/presentationml/2006/main">
+        <p:nvSpPr>
+          <p:cNvPr id="6" name="Title 1"/>
           <p:cNvSpPr>
             <a:spLocks noGrp="1"/>
           </p:cNvSpPr>
@@ -5365,14 +5487,269 @@
           <a:p>
             <a:r>
               <a:rPr/>
-              <a:t>Little presentation on Mtcars dataset</a:t>
+              <a:t>Position:  ctrTitle 
+Layout:  Title Slide</a:t>
             </a:r>
           </a:p>
         </p:txBody>
       </p:sp>
       <p:sp xmlns:a="http://schemas.openxmlformats.org/drawingml/2006/main" xmlns:r="http://schemas.openxmlformats.org/officeDocument/2006/relationships" xmlns:p="http://schemas.openxmlformats.org/presentationml/2006/main">
         <p:nvSpPr>
-          <p:cNvPr id="3" name="Slide Number Placeholder 5"/>
+          <p:cNvPr id="7" name="Subtitle 2"/>
+          <p:cNvSpPr>
+            <a:spLocks noGrp="1"/>
+          </p:cNvSpPr>
+          <p:nvPr>
+            <p:ph type="subTitle" idx="1"/>
+          </p:nvPr>
+        </p:nvSpPr>
+        <p:spPr>
+          <a:xfrm>
+            <a:off x="810001" y="5280847"/>
+            <a:ext cx="10572000" cy="434974"/>
+          </a:xfrm>
+        </p:spPr>
+        <p:txBody>
+          <a:bodyPr/>
+          <a:lstStyle/>
+          <a:p>
+            <a:r>
+              <a:rPr/>
+              <a:t>Position:  subTitle 
+Layout:  Title Slide</a:t>
+            </a:r>
+          </a:p>
+        </p:txBody>
+      </p:sp>
+    </p:spTree>
+  </p:cSld>
+  <p:clrMapOvr>
+    <a:masterClrMapping/>
+  </p:clrMapOvr>
+</p:sld>
+</file>
+
+<file path=ppt/slides/slide10.xml><?xml version="1.0" encoding="utf-8"?>
+<p:sld xmlns:a="http://schemas.openxmlformats.org/drawingml/2006/main" xmlns:r="http://schemas.openxmlformats.org/officeDocument/2006/relationships" xmlns:p="http://schemas.openxmlformats.org/presentationml/2006/main">
+  <p:cSld>
+    <p:spTree>
+      <p:nvGrpSpPr>
+        <p:cNvPr id="1" name=""/>
+        <p:cNvGrpSpPr/>
+        <p:nvPr/>
+      </p:nvGrpSpPr>
+      <p:grpSpPr>
+        <a:xfrm>
+          <a:off x="0" y="0"/>
+          <a:ext cx="0" cy="0"/>
+          <a:chOff x="0" y="0"/>
+          <a:chExt cx="0" cy="0"/>
+        </a:xfrm>
+      </p:grpSpPr>
+      <p:sp xmlns:a="http://schemas.openxmlformats.org/drawingml/2006/main" xmlns:r="http://schemas.openxmlformats.org/officeDocument/2006/relationships" xmlns:p="http://schemas.openxmlformats.org/presentationml/2006/main">
+        <p:nvSpPr>
+          <p:cNvPr id="2" name="Content Placeholder 5"/>
+          <p:cNvSpPr>
+            <a:spLocks noGrp="1"/>
+          </p:cNvSpPr>
+          <p:nvPr>
+            <p:ph sz="quarter" idx="4"/>
+          </p:nvPr>
+        </p:nvSpPr>
+        <p:spPr>
+          <a:xfrm>
+            <a:off x="6187415" y="2751138"/>
+            <a:ext cx="5194583" cy="3109913"/>
+          </a:xfrm>
+        </p:spPr>
+        <p:txBody>
+          <a:bodyPr/>
+          <a:lstStyle/>
+          <a:p>
+            <a:r>
+              <a:rPr/>
+              <a:t>Position:  body 
+Layout:  Comparison 
+Index: 1</a:t>
+            </a:r>
+          </a:p>
+        </p:txBody>
+      </p:sp>
+      <p:sp xmlns:a="http://schemas.openxmlformats.org/drawingml/2006/main" xmlns:r="http://schemas.openxmlformats.org/officeDocument/2006/relationships" xmlns:p="http://schemas.openxmlformats.org/presentationml/2006/main">
+        <p:nvSpPr>
+          <p:cNvPr id="3" name="Freeform 6"/>
+          <p:cNvSpPr>
+            <a:spLocks noGrp="1"/>
+          </p:cNvSpPr>
+          <p:nvPr>
+            <p:ph/>
+          </p:nvPr>
+        </p:nvSpPr>
+        <p:spPr>
+          <a:xfrm>
+            <a:off x="0" y="0"/>
+            <a:ext cx="12192000" cy="2185988"/>
+          </a:xfrm>
+        </p:spPr>
+        <p:txBody>
+          <a:bodyPr/>
+          <a:lstStyle/>
+          <a:p>
+            <a:r>
+              <a:rPr/>
+              <a:t>Position:  body 
+Layout:  Comparison 
+Index: 2</a:t>
+            </a:r>
+          </a:p>
+        </p:txBody>
+      </p:sp>
+      <p:sp xmlns:a="http://schemas.openxmlformats.org/drawingml/2006/main" xmlns:r="http://schemas.openxmlformats.org/officeDocument/2006/relationships" xmlns:p="http://schemas.openxmlformats.org/presentationml/2006/main">
+        <p:nvSpPr>
+          <p:cNvPr id="4" name="Text Placeholder 2"/>
+          <p:cNvSpPr>
+            <a:spLocks noGrp="1"/>
+          </p:cNvSpPr>
+          <p:nvPr>
+            <p:ph type="body" idx="1"/>
+          </p:nvPr>
+        </p:nvSpPr>
+        <p:spPr>
+          <a:xfrm>
+            <a:off x="814728" y="2174875"/>
+            <a:ext cx="5189857" cy="576262"/>
+          </a:xfrm>
+        </p:spPr>
+        <p:txBody>
+          <a:bodyPr/>
+          <a:lstStyle/>
+          <a:p>
+            <a:r>
+              <a:rPr/>
+              <a:t>Position:  body 
+Layout:  Comparison 
+Index: 3</a:t>
+            </a:r>
+          </a:p>
+        </p:txBody>
+      </p:sp>
+      <p:sp xmlns:a="http://schemas.openxmlformats.org/drawingml/2006/main" xmlns:r="http://schemas.openxmlformats.org/officeDocument/2006/relationships" xmlns:p="http://schemas.openxmlformats.org/presentationml/2006/main">
+        <p:nvSpPr>
+          <p:cNvPr id="5" name="Text Placeholder 4"/>
+          <p:cNvSpPr>
+            <a:spLocks noGrp="1"/>
+          </p:cNvSpPr>
+          <p:nvPr>
+            <p:ph type="body" sz="quarter" idx="3"/>
+          </p:nvPr>
+        </p:nvSpPr>
+        <p:spPr>
+          <a:xfrm>
+            <a:off x="6187415" y="2174875"/>
+            <a:ext cx="5194583" cy="576262"/>
+          </a:xfrm>
+        </p:spPr>
+        <p:txBody>
+          <a:bodyPr/>
+          <a:lstStyle/>
+          <a:p>
+            <a:r>
+              <a:rPr/>
+              <a:t>Position:  body 
+Layout:  Comparison 
+Index: 4</a:t>
+            </a:r>
+          </a:p>
+        </p:txBody>
+      </p:sp>
+      <p:sp xmlns:a="http://schemas.openxmlformats.org/drawingml/2006/main" xmlns:r="http://schemas.openxmlformats.org/officeDocument/2006/relationships" xmlns:p="http://schemas.openxmlformats.org/presentationml/2006/main">
+        <p:nvSpPr>
+          <p:cNvPr id="6" name="Date Placeholder 6"/>
+          <p:cNvSpPr>
+            <a:spLocks noGrp="1"/>
+          </p:cNvSpPr>
+          <p:nvPr>
+            <p:ph type="dt" sz="half" idx="10"/>
+          </p:nvPr>
+        </p:nvSpPr>
+        <p:spPr>
+          <a:xfrm>
+            <a:off x="9334626" y="6041362"/>
+            <a:ext cx="1343706" cy="365125"/>
+          </a:xfrm>
+        </p:spPr>
+        <p:txBody>
+          <a:bodyPr/>
+          <a:lstStyle/>
+          <a:p>
+            <a:r>
+              <a:rPr/>
+              <a:t>Position:  dt 
+Layout:  Comparison</a:t>
+            </a:r>
+          </a:p>
+        </p:txBody>
+      </p:sp>
+      <p:sp xmlns:a="http://schemas.openxmlformats.org/drawingml/2006/main" xmlns:r="http://schemas.openxmlformats.org/officeDocument/2006/relationships" xmlns:p="http://schemas.openxmlformats.org/presentationml/2006/main">
+        <p:nvSpPr>
+          <p:cNvPr id="7" name="Footer Placeholder 7"/>
+          <p:cNvSpPr>
+            <a:spLocks noGrp="1"/>
+          </p:cNvSpPr>
+          <p:nvPr>
+            <p:ph type="ftr" sz="quarter" idx="11"/>
+          </p:nvPr>
+        </p:nvSpPr>
+        <p:spPr>
+          <a:xfrm>
+            <a:off x="451514" y="6041362"/>
+            <a:ext cx="8644320" cy="365125"/>
+          </a:xfrm>
+        </p:spPr>
+        <p:txBody>
+          <a:bodyPr/>
+          <a:lstStyle/>
+          <a:p>
+            <a:r>
+              <a:rPr/>
+              <a:t>Position:  ftr 
+Layout:  Comparison</a:t>
+            </a:r>
+          </a:p>
+        </p:txBody>
+      </p:sp>
+      <p:sp xmlns:a="http://schemas.openxmlformats.org/drawingml/2006/main" xmlns:r="http://schemas.openxmlformats.org/officeDocument/2006/relationships" xmlns:p="http://schemas.openxmlformats.org/presentationml/2006/main">
+        <p:nvSpPr>
+          <p:cNvPr id="8" name="Content Placeholder 3"/>
+          <p:cNvSpPr>
+            <a:spLocks noGrp="1"/>
+          </p:cNvSpPr>
+          <p:nvPr>
+            <p:ph sz="half" idx="2"/>
+          </p:nvPr>
+        </p:nvSpPr>
+        <p:spPr>
+          <a:xfrm>
+            <a:off x="814729" y="2751138"/>
+            <a:ext cx="5189856" cy="3109913"/>
+          </a:xfrm>
+        </p:spPr>
+        <p:txBody>
+          <a:bodyPr/>
+          <a:lstStyle/>
+          <a:p>
+            <a:r>
+              <a:rPr/>
+              <a:t>Position:  body 
+Layout:  Comparison 
+Index: 5</a:t>
+            </a:r>
+          </a:p>
+        </p:txBody>
+      </p:sp>
+      <p:sp xmlns:a="http://schemas.openxmlformats.org/drawingml/2006/main" xmlns:r="http://schemas.openxmlformats.org/officeDocument/2006/relationships" xmlns:p="http://schemas.openxmlformats.org/presentationml/2006/main">
+        <p:nvSpPr>
+          <p:cNvPr id="9" name="Slide Number Placeholder 8"/>
           <p:cNvSpPr>
             <a:spLocks noGrp="1"/>
           </p:cNvSpPr>
@@ -5392,7 +5769,699 @@
           <a:p>
             <a:r>
               <a:rPr/>
-              <a:t>1</a:t>
+              <a:t>Position:  sldNum 
+Layout:  Comparison</a:t>
+            </a:r>
+          </a:p>
+        </p:txBody>
+      </p:sp>
+      <p:sp xmlns:a="http://schemas.openxmlformats.org/drawingml/2006/main" xmlns:r="http://schemas.openxmlformats.org/officeDocument/2006/relationships" xmlns:p="http://schemas.openxmlformats.org/presentationml/2006/main">
+        <p:nvSpPr>
+          <p:cNvPr id="10" name="Title 1"/>
+          <p:cNvSpPr>
+            <a:spLocks noGrp="1"/>
+          </p:cNvSpPr>
+          <p:nvPr>
+            <p:ph type="title"/>
+          </p:nvPr>
+        </p:nvSpPr>
+        <p:spPr>
+          <a:xfrm>
+            <a:off x="810000" y="447188"/>
+            <a:ext cx="10571998" cy="970450"/>
+          </a:xfrm>
+        </p:spPr>
+        <p:txBody>
+          <a:bodyPr/>
+          <a:lstStyle/>
+          <a:p>
+            <a:r>
+              <a:rPr/>
+              <a:t>Position:  title 
+Layout:  Comparison</a:t>
+            </a:r>
+          </a:p>
+        </p:txBody>
+      </p:sp>
+    </p:spTree>
+  </p:cSld>
+  <p:clrMapOvr>
+    <a:masterClrMapping/>
+  </p:clrMapOvr>
+</p:sld>
+</file>
+
+<file path=ppt/slides/slide11.xml><?xml version="1.0" encoding="utf-8"?>
+<p:sld xmlns:a="http://schemas.openxmlformats.org/drawingml/2006/main" xmlns:r="http://schemas.openxmlformats.org/officeDocument/2006/relationships" xmlns:p="http://schemas.openxmlformats.org/presentationml/2006/main">
+  <p:cSld>
+    <p:spTree>
+      <p:nvGrpSpPr>
+        <p:cNvPr id="1" name=""/>
+        <p:cNvGrpSpPr/>
+        <p:nvPr/>
+      </p:nvGrpSpPr>
+      <p:grpSpPr>
+        <a:xfrm>
+          <a:off x="0" y="0"/>
+          <a:ext cx="0" cy="0"/>
+          <a:chOff x="0" y="0"/>
+          <a:chExt cx="0" cy="0"/>
+        </a:xfrm>
+      </p:grpSpPr>
+      <p:sp xmlns:a="http://schemas.openxmlformats.org/drawingml/2006/main" xmlns:r="http://schemas.openxmlformats.org/officeDocument/2006/relationships" xmlns:p="http://schemas.openxmlformats.org/presentationml/2006/main">
+        <p:nvSpPr>
+          <p:cNvPr id="2" name="Freeform 6"/>
+          <p:cNvSpPr>
+            <a:spLocks noGrp="1"/>
+          </p:cNvSpPr>
+          <p:nvPr>
+            <p:ph/>
+          </p:nvPr>
+        </p:nvSpPr>
+        <p:spPr>
+          <a:xfrm>
+            <a:off x="0" y="0"/>
+            <a:ext cx="12192000" cy="2185988"/>
+          </a:xfrm>
+        </p:spPr>
+        <p:txBody>
+          <a:bodyPr/>
+          <a:lstStyle/>
+          <a:p>
+            <a:r>
+              <a:rPr/>
+              <a:t>Position:  body 
+Layout:  Title Only</a:t>
+            </a:r>
+          </a:p>
+        </p:txBody>
+      </p:sp>
+      <p:sp xmlns:a="http://schemas.openxmlformats.org/drawingml/2006/main" xmlns:r="http://schemas.openxmlformats.org/officeDocument/2006/relationships" xmlns:p="http://schemas.openxmlformats.org/presentationml/2006/main">
+        <p:nvSpPr>
+          <p:cNvPr id="3" name="Date Placeholder 2"/>
+          <p:cNvSpPr>
+            <a:spLocks noGrp="1"/>
+          </p:cNvSpPr>
+          <p:nvPr>
+            <p:ph type="dt" sz="half" idx="10"/>
+          </p:nvPr>
+        </p:nvSpPr>
+        <p:spPr>
+          <a:xfrm>
+            <a:off x="9334626" y="6041362"/>
+            <a:ext cx="1343706" cy="365125"/>
+          </a:xfrm>
+        </p:spPr>
+        <p:txBody>
+          <a:bodyPr/>
+          <a:lstStyle/>
+          <a:p>
+            <a:r>
+              <a:rPr/>
+              <a:t>Position:  dt 
+Layout:  Title Only</a:t>
+            </a:r>
+          </a:p>
+        </p:txBody>
+      </p:sp>
+      <p:sp xmlns:a="http://schemas.openxmlformats.org/drawingml/2006/main" xmlns:r="http://schemas.openxmlformats.org/officeDocument/2006/relationships" xmlns:p="http://schemas.openxmlformats.org/presentationml/2006/main">
+        <p:nvSpPr>
+          <p:cNvPr id="4" name="Footer Placeholder 3"/>
+          <p:cNvSpPr>
+            <a:spLocks noGrp="1"/>
+          </p:cNvSpPr>
+          <p:nvPr>
+            <p:ph type="ftr" sz="quarter" idx="11"/>
+          </p:nvPr>
+        </p:nvSpPr>
+        <p:spPr>
+          <a:xfrm>
+            <a:off x="451514" y="6041362"/>
+            <a:ext cx="8644320" cy="365125"/>
+          </a:xfrm>
+        </p:spPr>
+        <p:txBody>
+          <a:bodyPr/>
+          <a:lstStyle/>
+          <a:p>
+            <a:r>
+              <a:rPr/>
+              <a:t>Position:  ftr 
+Layout:  Title Only</a:t>
+            </a:r>
+          </a:p>
+        </p:txBody>
+      </p:sp>
+      <p:sp xmlns:a="http://schemas.openxmlformats.org/drawingml/2006/main" xmlns:r="http://schemas.openxmlformats.org/officeDocument/2006/relationships" xmlns:p="http://schemas.openxmlformats.org/presentationml/2006/main">
+        <p:nvSpPr>
+          <p:cNvPr id="5" name="Slide Number Placeholder 4"/>
+          <p:cNvSpPr>
+            <a:spLocks noGrp="1"/>
+          </p:cNvSpPr>
+          <p:nvPr>
+            <p:ph type="sldNum" sz="quarter" idx="12"/>
+          </p:nvPr>
+        </p:nvSpPr>
+        <p:spPr>
+          <a:xfrm>
+            <a:off x="10678331" y="5915888"/>
+            <a:ext cx="1062155" cy="490599"/>
+          </a:xfrm>
+        </p:spPr>
+        <p:txBody>
+          <a:bodyPr/>
+          <a:lstStyle/>
+          <a:p>
+            <a:r>
+              <a:rPr/>
+              <a:t>Position:  sldNum 
+Layout:  Title Only</a:t>
+            </a:r>
+          </a:p>
+        </p:txBody>
+      </p:sp>
+      <p:sp xmlns:a="http://schemas.openxmlformats.org/drawingml/2006/main" xmlns:r="http://schemas.openxmlformats.org/officeDocument/2006/relationships" xmlns:p="http://schemas.openxmlformats.org/presentationml/2006/main">
+        <p:nvSpPr>
+          <p:cNvPr id="6" name="Title 1"/>
+          <p:cNvSpPr>
+            <a:spLocks noGrp="1"/>
+          </p:cNvSpPr>
+          <p:nvPr>
+            <p:ph type="title"/>
+          </p:nvPr>
+        </p:nvSpPr>
+        <p:spPr>
+          <a:xfrm>
+            <a:off x="810000" y="447188"/>
+            <a:ext cx="10571998" cy="970450"/>
+          </a:xfrm>
+        </p:spPr>
+        <p:txBody>
+          <a:bodyPr/>
+          <a:lstStyle/>
+          <a:p>
+            <a:r>
+              <a:rPr/>
+              <a:t>Position:  title 
+Layout:  Title Only</a:t>
+            </a:r>
+          </a:p>
+        </p:txBody>
+      </p:sp>
+    </p:spTree>
+  </p:cSld>
+  <p:clrMapOvr>
+    <a:masterClrMapping/>
+  </p:clrMapOvr>
+</p:sld>
+</file>
+
+<file path=ppt/slides/slide12.xml><?xml version="1.0" encoding="utf-8"?>
+<p:sld xmlns:a="http://schemas.openxmlformats.org/drawingml/2006/main" xmlns:r="http://schemas.openxmlformats.org/officeDocument/2006/relationships" xmlns:p="http://schemas.openxmlformats.org/presentationml/2006/main">
+  <p:cSld>
+    <p:spTree>
+      <p:nvGrpSpPr>
+        <p:cNvPr id="1" name=""/>
+        <p:cNvGrpSpPr/>
+        <p:nvPr/>
+      </p:nvGrpSpPr>
+      <p:grpSpPr>
+        <a:xfrm>
+          <a:off x="0" y="0"/>
+          <a:ext cx="0" cy="0"/>
+          <a:chOff x="0" y="0"/>
+          <a:chExt cx="0" cy="0"/>
+        </a:xfrm>
+      </p:grpSpPr>
+      <p:sp xmlns:a="http://schemas.openxmlformats.org/drawingml/2006/main" xmlns:r="http://schemas.openxmlformats.org/officeDocument/2006/relationships" xmlns:p="http://schemas.openxmlformats.org/presentationml/2006/main">
+        <p:nvSpPr>
+          <p:cNvPr id="2" name="Date Placeholder 1"/>
+          <p:cNvSpPr>
+            <a:spLocks noGrp="1"/>
+          </p:cNvSpPr>
+          <p:nvPr>
+            <p:ph type="dt" sz="half" idx="10"/>
+          </p:nvPr>
+        </p:nvSpPr>
+        <p:spPr>
+          <a:xfrm>
+            <a:off x="9334626" y="6041362"/>
+            <a:ext cx="1343706" cy="365125"/>
+          </a:xfrm>
+        </p:spPr>
+        <p:txBody>
+          <a:bodyPr/>
+          <a:lstStyle/>
+          <a:p>
+            <a:r>
+              <a:rPr/>
+              <a:t>Position:  dt 
+Layout:  Blank</a:t>
+            </a:r>
+          </a:p>
+        </p:txBody>
+      </p:sp>
+      <p:sp xmlns:a="http://schemas.openxmlformats.org/drawingml/2006/main" xmlns:r="http://schemas.openxmlformats.org/officeDocument/2006/relationships" xmlns:p="http://schemas.openxmlformats.org/presentationml/2006/main">
+        <p:nvSpPr>
+          <p:cNvPr id="3" name="Footer Placeholder 2"/>
+          <p:cNvSpPr>
+            <a:spLocks noGrp="1"/>
+          </p:cNvSpPr>
+          <p:nvPr>
+            <p:ph type="ftr" sz="quarter" idx="11"/>
+          </p:nvPr>
+        </p:nvSpPr>
+        <p:spPr>
+          <a:xfrm>
+            <a:off x="451514" y="6041362"/>
+            <a:ext cx="8644320" cy="365125"/>
+          </a:xfrm>
+        </p:spPr>
+        <p:txBody>
+          <a:bodyPr/>
+          <a:lstStyle/>
+          <a:p>
+            <a:r>
+              <a:rPr/>
+              <a:t>Position:  ftr 
+Layout:  Blank</a:t>
+            </a:r>
+          </a:p>
+        </p:txBody>
+      </p:sp>
+      <p:sp xmlns:a="http://schemas.openxmlformats.org/drawingml/2006/main" xmlns:r="http://schemas.openxmlformats.org/officeDocument/2006/relationships" xmlns:p="http://schemas.openxmlformats.org/presentationml/2006/main">
+        <p:nvSpPr>
+          <p:cNvPr id="4" name="Slide Number Placeholder 3"/>
+          <p:cNvSpPr>
+            <a:spLocks noGrp="1"/>
+          </p:cNvSpPr>
+          <p:nvPr>
+            <p:ph type="sldNum" sz="quarter" idx="12"/>
+          </p:nvPr>
+        </p:nvSpPr>
+        <p:spPr>
+          <a:xfrm>
+            <a:off x="10678331" y="5915888"/>
+            <a:ext cx="1062155" cy="490599"/>
+          </a:xfrm>
+        </p:spPr>
+        <p:txBody>
+          <a:bodyPr/>
+          <a:lstStyle/>
+          <a:p>
+            <a:r>
+              <a:rPr/>
+              <a:t>Position:  sldNum 
+Layout:  Blank</a:t>
+            </a:r>
+          </a:p>
+        </p:txBody>
+      </p:sp>
+    </p:spTree>
+  </p:cSld>
+  <p:clrMapOvr>
+    <a:masterClrMapping/>
+  </p:clrMapOvr>
+</p:sld>
+</file>
+
+<file path=ppt/slides/slide13.xml><?xml version="1.0" encoding="utf-8"?>
+<p:sld xmlns:a="http://schemas.openxmlformats.org/drawingml/2006/main" xmlns:r="http://schemas.openxmlformats.org/officeDocument/2006/relationships" xmlns:p="http://schemas.openxmlformats.org/presentationml/2006/main">
+  <p:cSld>
+    <p:spTree>
+      <p:nvGrpSpPr>
+        <p:cNvPr id="1" name=""/>
+        <p:cNvGrpSpPr/>
+        <p:nvPr/>
+      </p:nvGrpSpPr>
+      <p:grpSpPr>
+        <a:xfrm>
+          <a:off x="0" y="0"/>
+          <a:ext cx="0" cy="0"/>
+          <a:chOff x="0" y="0"/>
+          <a:chExt cx="0" cy="0"/>
+        </a:xfrm>
+      </p:grpSpPr>
+      <p:sp xmlns:a="http://schemas.openxmlformats.org/drawingml/2006/main" xmlns:r="http://schemas.openxmlformats.org/officeDocument/2006/relationships" xmlns:p="http://schemas.openxmlformats.org/presentationml/2006/main">
+        <p:nvSpPr>
+          <p:cNvPr id="2" name="Text Placeholder 3"/>
+          <p:cNvSpPr>
+            <a:spLocks noGrp="1"/>
+          </p:cNvSpPr>
+          <p:nvPr>
+            <p:ph type="body" sz="half" idx="2"/>
+          </p:nvPr>
+        </p:nvSpPr>
+        <p:spPr>
+          <a:xfrm>
+            <a:off x="1073151" y="2260738"/>
+            <a:ext cx="3547533" cy="3600311"/>
+          </a:xfrm>
+        </p:spPr>
+        <p:txBody>
+          <a:bodyPr/>
+          <a:lstStyle/>
+          <a:p>
+            <a:r>
+              <a:rPr/>
+              <a:t>Position:  body 
+Layout:  Content with Caption 
+Index: 1</a:t>
+            </a:r>
+          </a:p>
+        </p:txBody>
+      </p:sp>
+      <p:sp xmlns:a="http://schemas.openxmlformats.org/drawingml/2006/main" xmlns:r="http://schemas.openxmlformats.org/officeDocument/2006/relationships" xmlns:p="http://schemas.openxmlformats.org/presentationml/2006/main">
+        <p:nvSpPr>
+          <p:cNvPr id="3" name="Content Placeholder 2"/>
+          <p:cNvSpPr>
+            <a:spLocks noGrp="1"/>
+          </p:cNvSpPr>
+          <p:nvPr>
+            <p:ph idx="1"/>
+          </p:nvPr>
+        </p:nvSpPr>
+        <p:spPr>
+          <a:xfrm>
+            <a:off x="4855633" y="446088"/>
+            <a:ext cx="6252633" cy="5414963"/>
+          </a:xfrm>
+        </p:spPr>
+        <p:txBody>
+          <a:bodyPr/>
+          <a:lstStyle/>
+          <a:p>
+            <a:r>
+              <a:rPr/>
+              <a:t>Position:  body 
+Layout:  Content with Caption 
+Index: 2</a:t>
+            </a:r>
+          </a:p>
+        </p:txBody>
+      </p:sp>
+      <p:sp xmlns:a="http://schemas.openxmlformats.org/drawingml/2006/main" xmlns:r="http://schemas.openxmlformats.org/officeDocument/2006/relationships" xmlns:p="http://schemas.openxmlformats.org/presentationml/2006/main">
+        <p:nvSpPr>
+          <p:cNvPr id="4" name="Freeform 6"/>
+          <p:cNvSpPr>
+            <a:spLocks noGrp="1"/>
+          </p:cNvSpPr>
+          <p:nvPr>
+            <p:ph/>
+          </p:nvPr>
+        </p:nvSpPr>
+        <p:spPr>
+          <a:xfrm>
+            <a:off x="1073151" y="446087"/>
+            <a:ext cx="3547533" cy="1814651"/>
+          </a:xfrm>
+        </p:spPr>
+        <p:txBody>
+          <a:bodyPr/>
+          <a:lstStyle/>
+          <a:p>
+            <a:r>
+              <a:rPr/>
+              <a:t>Position:  body 
+Layout:  Content with Caption 
+Index: 3</a:t>
+            </a:r>
+          </a:p>
+        </p:txBody>
+      </p:sp>
+      <p:sp xmlns:a="http://schemas.openxmlformats.org/drawingml/2006/main" xmlns:r="http://schemas.openxmlformats.org/officeDocument/2006/relationships" xmlns:p="http://schemas.openxmlformats.org/presentationml/2006/main">
+        <p:nvSpPr>
+          <p:cNvPr id="5" name="Date Placeholder 4"/>
+          <p:cNvSpPr>
+            <a:spLocks noGrp="1"/>
+          </p:cNvSpPr>
+          <p:nvPr>
+            <p:ph type="dt" sz="half" idx="10"/>
+          </p:nvPr>
+        </p:nvSpPr>
+        <p:spPr>
+          <a:xfrm>
+            <a:off x="9334626" y="6041362"/>
+            <a:ext cx="1343706" cy="365125"/>
+          </a:xfrm>
+        </p:spPr>
+        <p:txBody>
+          <a:bodyPr/>
+          <a:lstStyle/>
+          <a:p>
+            <a:r>
+              <a:rPr/>
+              <a:t>Position:  dt 
+Layout:  Content with Caption</a:t>
+            </a:r>
+          </a:p>
+        </p:txBody>
+      </p:sp>
+      <p:sp xmlns:a="http://schemas.openxmlformats.org/drawingml/2006/main" xmlns:r="http://schemas.openxmlformats.org/officeDocument/2006/relationships" xmlns:p="http://schemas.openxmlformats.org/presentationml/2006/main">
+        <p:nvSpPr>
+          <p:cNvPr id="6" name="Footer Placeholder 5"/>
+          <p:cNvSpPr>
+            <a:spLocks noGrp="1"/>
+          </p:cNvSpPr>
+          <p:nvPr>
+            <p:ph type="ftr" sz="quarter" idx="11"/>
+          </p:nvPr>
+        </p:nvSpPr>
+        <p:spPr>
+          <a:xfrm>
+            <a:off x="451514" y="6041362"/>
+            <a:ext cx="8644320" cy="365125"/>
+          </a:xfrm>
+        </p:spPr>
+        <p:txBody>
+          <a:bodyPr/>
+          <a:lstStyle/>
+          <a:p>
+            <a:r>
+              <a:rPr/>
+              <a:t>Position:  ftr 
+Layout:  Content with Caption</a:t>
+            </a:r>
+          </a:p>
+        </p:txBody>
+      </p:sp>
+      <p:sp xmlns:a="http://schemas.openxmlformats.org/drawingml/2006/main" xmlns:r="http://schemas.openxmlformats.org/officeDocument/2006/relationships" xmlns:p="http://schemas.openxmlformats.org/presentationml/2006/main">
+        <p:nvSpPr>
+          <p:cNvPr id="7" name="Slide Number Placeholder 6"/>
+          <p:cNvSpPr>
+            <a:spLocks noGrp="1"/>
+          </p:cNvSpPr>
+          <p:nvPr>
+            <p:ph type="sldNum" sz="quarter" idx="12"/>
+          </p:nvPr>
+        </p:nvSpPr>
+        <p:spPr>
+          <a:xfrm>
+            <a:off x="10678331" y="5915888"/>
+            <a:ext cx="1062155" cy="490599"/>
+          </a:xfrm>
+        </p:spPr>
+        <p:txBody>
+          <a:bodyPr/>
+          <a:lstStyle/>
+          <a:p>
+            <a:r>
+              <a:rPr/>
+              <a:t>Position:  sldNum 
+Layout:  Content with Caption</a:t>
+            </a:r>
+          </a:p>
+        </p:txBody>
+      </p:sp>
+      <p:sp xmlns:a="http://schemas.openxmlformats.org/drawingml/2006/main" xmlns:r="http://schemas.openxmlformats.org/officeDocument/2006/relationships" xmlns:p="http://schemas.openxmlformats.org/presentationml/2006/main">
+        <p:nvSpPr>
+          <p:cNvPr id="8" name="Title 1"/>
+          <p:cNvSpPr>
+            <a:spLocks noGrp="1"/>
+          </p:cNvSpPr>
+          <p:nvPr>
+            <p:ph type="title"/>
+          </p:nvPr>
+        </p:nvSpPr>
+        <p:spPr>
+          <a:xfrm>
+            <a:off x="1073151" y="446088"/>
+            <a:ext cx="3547533" cy="1618396"/>
+          </a:xfrm>
+        </p:spPr>
+        <p:txBody>
+          <a:bodyPr/>
+          <a:lstStyle/>
+          <a:p>
+            <a:r>
+              <a:rPr/>
+              <a:t>Position:  title 
+Layout:  Content with Caption</a:t>
+            </a:r>
+          </a:p>
+        </p:txBody>
+      </p:sp>
+    </p:spTree>
+  </p:cSld>
+  <p:clrMapOvr>
+    <a:masterClrMapping/>
+  </p:clrMapOvr>
+</p:sld>
+</file>
+
+<file path=ppt/slides/slide14.xml><?xml version="1.0" encoding="utf-8"?>
+<p:sld xmlns:a="http://schemas.openxmlformats.org/drawingml/2006/main" xmlns:r="http://schemas.openxmlformats.org/officeDocument/2006/relationships" xmlns:p="http://schemas.openxmlformats.org/presentationml/2006/main">
+  <p:cSld>
+    <p:spTree>
+      <p:nvGrpSpPr>
+        <p:cNvPr id="1" name=""/>
+        <p:cNvGrpSpPr/>
+        <p:nvPr/>
+      </p:nvGrpSpPr>
+      <p:grpSpPr>
+        <a:xfrm>
+          <a:off x="0" y="0"/>
+          <a:ext cx="0" cy="0"/>
+          <a:chOff x="0" y="0"/>
+          <a:chExt cx="0" cy="0"/>
+        </a:xfrm>
+      </p:grpSpPr>
+      <p:sp xmlns:a="http://schemas.openxmlformats.org/drawingml/2006/main" xmlns:r="http://schemas.openxmlformats.org/officeDocument/2006/relationships" xmlns:p="http://schemas.openxmlformats.org/presentationml/2006/main">
+        <p:nvSpPr>
+          <p:cNvPr id="2" name="Text Placeholder 3"/>
+          <p:cNvSpPr>
+            <a:spLocks noGrp="1"/>
+          </p:cNvSpPr>
+          <p:nvPr>
+            <p:ph type="body" sz="half" idx="2"/>
+          </p:nvPr>
+        </p:nvSpPr>
+        <p:spPr>
+          <a:xfrm>
+            <a:off x="814728" y="2344684"/>
+            <a:ext cx="4852988" cy="3516365"/>
+          </a:xfrm>
+        </p:spPr>
+        <p:txBody>
+          <a:bodyPr/>
+          <a:lstStyle/>
+          <a:p>
+            <a:r>
+              <a:rPr/>
+              <a:t>Position:  body 
+Layout:  Picture with Caption</a:t>
+            </a:r>
+          </a:p>
+        </p:txBody>
+      </p:sp>
+      <p:sp xmlns:a="http://schemas.openxmlformats.org/drawingml/2006/main" xmlns:r="http://schemas.openxmlformats.org/officeDocument/2006/relationships" xmlns:p="http://schemas.openxmlformats.org/presentationml/2006/main">
+        <p:nvSpPr>
+          <p:cNvPr id="3" name="Date Placeholder 4"/>
+          <p:cNvSpPr>
+            <a:spLocks noGrp="1"/>
+          </p:cNvSpPr>
+          <p:nvPr>
+            <p:ph type="dt" sz="half" idx="10"/>
+          </p:nvPr>
+        </p:nvSpPr>
+        <p:spPr>
+          <a:xfrm>
+            <a:off x="3885810" y="6041362"/>
+            <a:ext cx="976879" cy="365125"/>
+          </a:xfrm>
+        </p:spPr>
+        <p:txBody>
+          <a:bodyPr/>
+          <a:lstStyle/>
+          <a:p>
+            <a:r>
+              <a:rPr/>
+              <a:t>Position:  dt 
+Layout:  Picture with Caption</a:t>
+            </a:r>
+          </a:p>
+        </p:txBody>
+      </p:sp>
+      <p:sp xmlns:a="http://schemas.openxmlformats.org/drawingml/2006/main" xmlns:r="http://schemas.openxmlformats.org/officeDocument/2006/relationships" xmlns:p="http://schemas.openxmlformats.org/presentationml/2006/main">
+        <p:nvSpPr>
+          <p:cNvPr id="4" name="Footer Placeholder 5"/>
+          <p:cNvSpPr>
+            <a:spLocks noGrp="1"/>
+          </p:cNvSpPr>
+          <p:nvPr>
+            <p:ph type="ftr" sz="quarter" idx="11"/>
+          </p:nvPr>
+        </p:nvSpPr>
+        <p:spPr>
+          <a:xfrm>
+            <a:off x="590396" y="6041362"/>
+            <a:ext cx="3295413" cy="365125"/>
+          </a:xfrm>
+        </p:spPr>
+        <p:txBody>
+          <a:bodyPr/>
+          <a:lstStyle/>
+          <a:p>
+            <a:r>
+              <a:rPr/>
+              <a:t>Position:  ftr 
+Layout:  Picture with Caption</a:t>
+            </a:r>
+          </a:p>
+        </p:txBody>
+      </p:sp>
+      <p:sp xmlns:a="http://schemas.openxmlformats.org/drawingml/2006/main" xmlns:r="http://schemas.openxmlformats.org/officeDocument/2006/relationships" xmlns:p="http://schemas.openxmlformats.org/presentationml/2006/main">
+        <p:nvSpPr>
+          <p:cNvPr id="5" name="Slide Number Placeholder 6"/>
+          <p:cNvSpPr>
+            <a:spLocks noGrp="1"/>
+          </p:cNvSpPr>
+          <p:nvPr>
+            <p:ph type="sldNum" sz="quarter" idx="12"/>
+          </p:nvPr>
+        </p:nvSpPr>
+        <p:spPr>
+          <a:xfrm>
+            <a:off x="4862689" y="5915888"/>
+            <a:ext cx="1062155" cy="490599"/>
+          </a:xfrm>
+        </p:spPr>
+        <p:txBody>
+          <a:bodyPr/>
+          <a:lstStyle/>
+          <a:p>
+            <a:r>
+              <a:rPr/>
+              <a:t>Position:  sldNum 
+Layout:  Picture with Caption</a:t>
+            </a:r>
+          </a:p>
+        </p:txBody>
+      </p:sp>
+      <p:sp xmlns:a="http://schemas.openxmlformats.org/drawingml/2006/main" xmlns:r="http://schemas.openxmlformats.org/officeDocument/2006/relationships" xmlns:p="http://schemas.openxmlformats.org/presentationml/2006/main">
+        <p:nvSpPr>
+          <p:cNvPr id="6" name="Title 1"/>
+          <p:cNvSpPr>
+            <a:spLocks noGrp="1"/>
+          </p:cNvSpPr>
+          <p:nvPr>
+            <p:ph type="title"/>
+          </p:nvPr>
+        </p:nvSpPr>
+        <p:spPr>
+          <a:xfrm>
+            <a:off x="814728" y="727522"/>
+            <a:ext cx="4852988" cy="1617163"/>
+          </a:xfrm>
+        </p:spPr>
+        <p:txBody>
+          <a:bodyPr/>
+          <a:lstStyle/>
+          <a:p>
+            <a:r>
+              <a:rPr/>
+              <a:t>Position:  title 
+Layout:  Picture with Caption</a:t>
             </a:r>
           </a:p>
         </p:txBody>
@@ -5424,18 +6493,18 @@
       </p:grpSpPr>
       <p:sp xmlns:a="http://schemas.openxmlformats.org/drawingml/2006/main" xmlns:r="http://schemas.openxmlformats.org/officeDocument/2006/relationships" xmlns:p="http://schemas.openxmlformats.org/presentationml/2006/main">
         <p:nvSpPr>
-          <p:cNvPr id="2" name="Title 1"/>
-          <p:cNvSpPr>
-            <a:spLocks noGrp="1"/>
-          </p:cNvSpPr>
-          <p:nvPr>
-            <p:ph type="title"/>
-          </p:nvPr>
-        </p:nvSpPr>
-        <p:spPr>
-          <a:xfrm>
-            <a:off x="810000" y="2951396"/>
-            <a:ext cx="10561418" cy="1468800"/>
+          <p:cNvPr id="2" name="Date Placeholder 4"/>
+          <p:cNvSpPr>
+            <a:spLocks noGrp="1"/>
+          </p:cNvSpPr>
+          <p:nvPr>
+            <p:ph type="dt" sz="half" idx="10"/>
+          </p:nvPr>
+        </p:nvSpPr>
+        <p:spPr>
+          <a:xfrm>
+            <a:off x="9334626" y="6041362"/>
+            <a:ext cx="1343706" cy="365125"/>
           </a:xfrm>
         </p:spPr>
         <p:txBody>
@@ -5444,14 +6513,71 @@
           <a:p>
             <a:r>
               <a:rPr/>
-              <a:t>Everything is data...</a:t>
+              <a:t>Position:  dt 
+Layout:  Panoramic Picture with Caption</a:t>
             </a:r>
           </a:p>
         </p:txBody>
       </p:sp>
       <p:sp xmlns:a="http://schemas.openxmlformats.org/drawingml/2006/main" xmlns:r="http://schemas.openxmlformats.org/officeDocument/2006/relationships" xmlns:p="http://schemas.openxmlformats.org/presentationml/2006/main">
         <p:nvSpPr>
-          <p:cNvPr id="3" name="Slide Number Placeholder 5"/>
+          <p:cNvPr id="3" name="Text Placeholder 3"/>
+          <p:cNvSpPr>
+            <a:spLocks noGrp="1"/>
+          </p:cNvSpPr>
+          <p:nvPr>
+            <p:ph type="body" sz="half" idx="2"/>
+          </p:nvPr>
+        </p:nvSpPr>
+        <p:spPr>
+          <a:xfrm>
+            <a:off x="810000" y="5367338"/>
+            <a:ext cx="10561418" cy="493712"/>
+          </a:xfrm>
+        </p:spPr>
+        <p:txBody>
+          <a:bodyPr/>
+          <a:lstStyle/>
+          <a:p>
+            <a:r>
+              <a:rPr/>
+              <a:t>Position:  body 
+Layout:  Panoramic Picture with Caption</a:t>
+            </a:r>
+          </a:p>
+        </p:txBody>
+      </p:sp>
+      <p:sp xmlns:a="http://schemas.openxmlformats.org/drawingml/2006/main" xmlns:r="http://schemas.openxmlformats.org/officeDocument/2006/relationships" xmlns:p="http://schemas.openxmlformats.org/presentationml/2006/main">
+        <p:nvSpPr>
+          <p:cNvPr id="4" name="Footer Placeholder 5"/>
+          <p:cNvSpPr>
+            <a:spLocks noGrp="1"/>
+          </p:cNvSpPr>
+          <p:nvPr>
+            <p:ph type="ftr" sz="quarter" idx="11"/>
+          </p:nvPr>
+        </p:nvSpPr>
+        <p:spPr>
+          <a:xfrm>
+            <a:off x="451514" y="6041362"/>
+            <a:ext cx="8644320" cy="365125"/>
+          </a:xfrm>
+        </p:spPr>
+        <p:txBody>
+          <a:bodyPr/>
+          <a:lstStyle/>
+          <a:p>
+            <a:r>
+              <a:rPr/>
+              <a:t>Position:  ftr 
+Layout:  Panoramic Picture with Caption</a:t>
+            </a:r>
+          </a:p>
+        </p:txBody>
+      </p:sp>
+      <p:sp xmlns:a="http://schemas.openxmlformats.org/drawingml/2006/main" xmlns:r="http://schemas.openxmlformats.org/officeDocument/2006/relationships" xmlns:p="http://schemas.openxmlformats.org/presentationml/2006/main">
+        <p:nvSpPr>
+          <p:cNvPr id="5" name="Slide Number Placeholder 6"/>
           <p:cNvSpPr>
             <a:spLocks noGrp="1"/>
           </p:cNvSpPr>
@@ -5471,7 +6597,36 @@
           <a:p>
             <a:r>
               <a:rPr/>
-              <a:t>2</a:t>
+              <a:t>Position:  sldNum 
+Layout:  Panoramic Picture with Caption</a:t>
+            </a:r>
+          </a:p>
+        </p:txBody>
+      </p:sp>
+      <p:sp xmlns:a="http://schemas.openxmlformats.org/drawingml/2006/main" xmlns:r="http://schemas.openxmlformats.org/officeDocument/2006/relationships" xmlns:p="http://schemas.openxmlformats.org/presentationml/2006/main">
+        <p:nvSpPr>
+          <p:cNvPr id="6" name="Title 1"/>
+          <p:cNvSpPr>
+            <a:spLocks noGrp="1"/>
+          </p:cNvSpPr>
+          <p:nvPr>
+            <p:ph type="title"/>
+          </p:nvPr>
+        </p:nvSpPr>
+        <p:spPr>
+          <a:xfrm>
+            <a:off x="810000" y="4800600"/>
+            <a:ext cx="10561418" cy="566738"/>
+          </a:xfrm>
+        </p:spPr>
+        <p:txBody>
+          <a:bodyPr/>
+          <a:lstStyle/>
+          <a:p>
+            <a:r>
+              <a:rPr/>
+              <a:t>Position:  title 
+Layout:  Panoramic Picture with Caption</a:t>
             </a:r>
           </a:p>
         </p:txBody>
@@ -5503,18 +6658,18 @@
       </p:grpSpPr>
       <p:sp xmlns:a="http://schemas.openxmlformats.org/drawingml/2006/main" xmlns:r="http://schemas.openxmlformats.org/officeDocument/2006/relationships" xmlns:p="http://schemas.openxmlformats.org/presentationml/2006/main">
         <p:nvSpPr>
-          <p:cNvPr id="2" name="Title 1"/>
-          <p:cNvSpPr>
-            <a:spLocks noGrp="1"/>
-          </p:cNvSpPr>
-          <p:nvPr>
-            <p:ph type="title"/>
-          </p:nvPr>
-        </p:nvSpPr>
-        <p:spPr>
-          <a:xfrm>
-            <a:off x="810000" y="447188"/>
-            <a:ext cx="10571998" cy="970450"/>
+          <p:cNvPr id="2" name="Freeform 6"/>
+          <p:cNvSpPr>
+            <a:spLocks noGrp="1"/>
+          </p:cNvSpPr>
+          <p:nvPr>
+            <p:ph/>
+          </p:nvPr>
+        </p:nvSpPr>
+        <p:spPr>
+          <a:xfrm>
+            <a:off x="631697" y="1081456"/>
+            <a:ext cx="6332416" cy="3239188"/>
           </a:xfrm>
         </p:spPr>
         <p:txBody>
@@ -5523,37 +6678,101 @@
           <a:p>
             <a:r>
               <a:rPr/>
-              <a:t>1/4 mile time dependence on Gross horse power</a:t>
-            </a:r>
-          </a:p>
-        </p:txBody>
-      </p:sp>
-      <p:pic xmlns:a="http://schemas.openxmlformats.org/drawingml/2006/main" xmlns:r="http://schemas.openxmlformats.org/officeDocument/2006/relationships" xmlns:p="http://schemas.openxmlformats.org/presentationml/2006/main">
-        <p:nvPicPr>
-          <p:cNvPr id="3" name="Content Placeholder 2"/>
-          <p:cNvPicPr>
-            <a:picLocks noGrp="1"/>
-          </p:cNvPicPr>
-          <p:nvPr>
-            <p:ph idx="1"/>
-          </p:nvPr>
-        </p:nvPicPr>
-        <p:blipFill>
-          <a:blip cstate="print" r:embed="rId2"/>
-          <a:stretch>
-            <a:fillRect/>
-          </a:stretch>
-        </p:blipFill>
-        <p:spPr>
-          <a:xfrm>
-            <a:off x="818712" y="2222287"/>
-            <a:ext cx="10554574" cy="3636511"/>
-          </a:xfrm>
-        </p:spPr>
-      </p:pic>
+              <a:t>Position:  body 
+Layout:  Quote with Caption 
+Index: 1</a:t>
+            </a:r>
+          </a:p>
+        </p:txBody>
+      </p:sp>
       <p:sp xmlns:a="http://schemas.openxmlformats.org/drawingml/2006/main" xmlns:r="http://schemas.openxmlformats.org/officeDocument/2006/relationships" xmlns:p="http://schemas.openxmlformats.org/presentationml/2006/main">
         <p:nvSpPr>
-          <p:cNvPr id="4" name="Slide Number Placeholder 5"/>
+          <p:cNvPr id="3" name="Text Placeholder 2"/>
+          <p:cNvSpPr>
+            <a:spLocks noGrp="1"/>
+          </p:cNvSpPr>
+          <p:nvPr>
+            <p:ph type="body" idx="1"/>
+          </p:nvPr>
+        </p:nvSpPr>
+        <p:spPr>
+          <a:xfrm>
+            <a:off x="853190" y="4443680"/>
+            <a:ext cx="5891636" cy="713241"/>
+          </a:xfrm>
+        </p:spPr>
+        <p:txBody>
+          <a:bodyPr/>
+          <a:lstStyle/>
+          <a:p>
+            <a:r>
+              <a:rPr/>
+              <a:t>Position:  body 
+Layout:  Quote with Caption 
+Index: 2</a:t>
+            </a:r>
+          </a:p>
+        </p:txBody>
+      </p:sp>
+      <p:sp xmlns:a="http://schemas.openxmlformats.org/drawingml/2006/main" xmlns:r="http://schemas.openxmlformats.org/officeDocument/2006/relationships" xmlns:p="http://schemas.openxmlformats.org/presentationml/2006/main">
+        <p:nvSpPr>
+          <p:cNvPr id="4" name="Date Placeholder 3"/>
+          <p:cNvSpPr>
+            <a:spLocks noGrp="1"/>
+          </p:cNvSpPr>
+          <p:nvPr>
+            <p:ph type="dt" sz="half" idx="10"/>
+          </p:nvPr>
+        </p:nvSpPr>
+        <p:spPr>
+          <a:xfrm>
+            <a:off x="9334626" y="6041362"/>
+            <a:ext cx="1343706" cy="365125"/>
+          </a:xfrm>
+        </p:spPr>
+        <p:txBody>
+          <a:bodyPr/>
+          <a:lstStyle/>
+          <a:p>
+            <a:r>
+              <a:rPr/>
+              <a:t>Position:  dt 
+Layout:  Quote with Caption</a:t>
+            </a:r>
+          </a:p>
+        </p:txBody>
+      </p:sp>
+      <p:sp xmlns:a="http://schemas.openxmlformats.org/drawingml/2006/main" xmlns:r="http://schemas.openxmlformats.org/officeDocument/2006/relationships" xmlns:p="http://schemas.openxmlformats.org/presentationml/2006/main">
+        <p:nvSpPr>
+          <p:cNvPr id="5" name="Footer Placeholder 4"/>
+          <p:cNvSpPr>
+            <a:spLocks noGrp="1"/>
+          </p:cNvSpPr>
+          <p:nvPr>
+            <p:ph type="ftr" sz="quarter" idx="11"/>
+          </p:nvPr>
+        </p:nvSpPr>
+        <p:spPr>
+          <a:xfrm>
+            <a:off x="451514" y="6041362"/>
+            <a:ext cx="8644320" cy="365125"/>
+          </a:xfrm>
+        </p:spPr>
+        <p:txBody>
+          <a:bodyPr/>
+          <a:lstStyle/>
+          <a:p>
+            <a:r>
+              <a:rPr/>
+              <a:t>Position:  ftr 
+Layout:  Quote with Caption</a:t>
+            </a:r>
+          </a:p>
+        </p:txBody>
+      </p:sp>
+      <p:sp xmlns:a="http://schemas.openxmlformats.org/drawingml/2006/main" xmlns:r="http://schemas.openxmlformats.org/officeDocument/2006/relationships" xmlns:p="http://schemas.openxmlformats.org/presentationml/2006/main">
+        <p:nvSpPr>
+          <p:cNvPr id="6" name="Slide Number Placeholder 5"/>
           <p:cNvSpPr>
             <a:spLocks noGrp="1"/>
           </p:cNvSpPr>
@@ -5573,7 +6792,65 @@
           <a:p>
             <a:r>
               <a:rPr/>
-              <a:t>3</a:t>
+              <a:t>Position:  sldNum 
+Layout:  Quote with Caption</a:t>
+            </a:r>
+          </a:p>
+        </p:txBody>
+      </p:sp>
+      <p:sp xmlns:a="http://schemas.openxmlformats.org/drawingml/2006/main" xmlns:r="http://schemas.openxmlformats.org/officeDocument/2006/relationships" xmlns:p="http://schemas.openxmlformats.org/presentationml/2006/main">
+        <p:nvSpPr>
+          <p:cNvPr id="7" name="Title 1"/>
+          <p:cNvSpPr>
+            <a:spLocks noGrp="1"/>
+          </p:cNvSpPr>
+          <p:nvPr>
+            <p:ph type="title"/>
+          </p:nvPr>
+        </p:nvSpPr>
+        <p:spPr>
+          <a:xfrm>
+            <a:off x="850985" y="1238502"/>
+            <a:ext cx="5893840" cy="2645912"/>
+          </a:xfrm>
+        </p:spPr>
+        <p:txBody>
+          <a:bodyPr/>
+          <a:lstStyle/>
+          <a:p>
+            <a:r>
+              <a:rPr/>
+              <a:t>Position:  title 
+Layout:  Quote with Caption</a:t>
+            </a:r>
+          </a:p>
+        </p:txBody>
+      </p:sp>
+      <p:sp xmlns:a="http://schemas.openxmlformats.org/drawingml/2006/main" xmlns:r="http://schemas.openxmlformats.org/officeDocument/2006/relationships" xmlns:p="http://schemas.openxmlformats.org/presentationml/2006/main">
+        <p:nvSpPr>
+          <p:cNvPr id="8" name="Text Placeholder 5"/>
+          <p:cNvSpPr>
+            <a:spLocks noGrp="1"/>
+          </p:cNvSpPr>
+          <p:nvPr>
+            <p:ph type="body" sz="quarter" idx="16"/>
+          </p:nvPr>
+        </p:nvSpPr>
+        <p:spPr>
+          <a:xfrm>
+            <a:off x="7574642" y="1081456"/>
+            <a:ext cx="3810001" cy="4075465"/>
+          </a:xfrm>
+        </p:spPr>
+        <p:txBody>
+          <a:bodyPr/>
+          <a:lstStyle/>
+          <a:p>
+            <a:r>
+              <a:rPr/>
+              <a:t>Position:  body 
+Layout:  Quote with Caption 
+Index: 3</a:t>
             </a:r>
           </a:p>
         </p:txBody>
@@ -5605,7 +6882,344 @@
       </p:grpSpPr>
       <p:sp xmlns:a="http://schemas.openxmlformats.org/drawingml/2006/main" xmlns:r="http://schemas.openxmlformats.org/officeDocument/2006/relationships" xmlns:p="http://schemas.openxmlformats.org/presentationml/2006/main">
         <p:nvSpPr>
-          <p:cNvPr id="2" name="Title 1"/>
+          <p:cNvPr id="2" name="Freeform 6"/>
+          <p:cNvSpPr>
+            <a:spLocks noGrp="1"/>
+          </p:cNvSpPr>
+          <p:nvPr>
+            <p:ph/>
+          </p:nvPr>
+        </p:nvSpPr>
+        <p:spPr>
+          <a:xfrm>
+            <a:off x="1140884" y="2286585"/>
+            <a:ext cx="4895115" cy="2503972"/>
+          </a:xfrm>
+        </p:spPr>
+        <p:txBody>
+          <a:bodyPr/>
+          <a:lstStyle/>
+          <a:p>
+            <a:r>
+              <a:rPr/>
+              <a:t>Position:  body 
+Layout:  Name Card 
+Index: 1</a:t>
+            </a:r>
+          </a:p>
+        </p:txBody>
+      </p:sp>
+      <p:sp xmlns:a="http://schemas.openxmlformats.org/drawingml/2006/main" xmlns:r="http://schemas.openxmlformats.org/officeDocument/2006/relationships" xmlns:p="http://schemas.openxmlformats.org/presentationml/2006/main">
+        <p:nvSpPr>
+          <p:cNvPr id="3" name="Text Placeholder 5"/>
+          <p:cNvSpPr>
+            <a:spLocks noGrp="1"/>
+          </p:cNvSpPr>
+          <p:nvPr>
+            <p:ph type="body" sz="quarter" idx="16"/>
+          </p:nvPr>
+        </p:nvSpPr>
+        <p:spPr>
+          <a:xfrm>
+            <a:off x="6156000" y="2286000"/>
+            <a:ext cx="4880300" cy="2295525"/>
+          </a:xfrm>
+        </p:spPr>
+        <p:txBody>
+          <a:bodyPr/>
+          <a:lstStyle/>
+          <a:p>
+            <a:r>
+              <a:rPr/>
+              <a:t>Position:  body 
+Layout:  Name Card 
+Index: 2</a:t>
+            </a:r>
+          </a:p>
+        </p:txBody>
+      </p:sp>
+      <p:sp xmlns:a="http://schemas.openxmlformats.org/drawingml/2006/main" xmlns:r="http://schemas.openxmlformats.org/officeDocument/2006/relationships" xmlns:p="http://schemas.openxmlformats.org/presentationml/2006/main">
+        <p:nvSpPr>
+          <p:cNvPr id="4" name="Date Placeholder 1"/>
+          <p:cNvSpPr>
+            <a:spLocks noGrp="1"/>
+          </p:cNvSpPr>
+          <p:nvPr>
+            <p:ph type="dt" sz="half" idx="10"/>
+          </p:nvPr>
+        </p:nvSpPr>
+        <p:spPr>
+          <a:xfrm>
+            <a:off x="9334626" y="6041362"/>
+            <a:ext cx="1343706" cy="365125"/>
+          </a:xfrm>
+        </p:spPr>
+        <p:txBody>
+          <a:bodyPr/>
+          <a:lstStyle/>
+          <a:p>
+            <a:r>
+              <a:rPr/>
+              <a:t>Position:  dt 
+Layout:  Name Card</a:t>
+            </a:r>
+          </a:p>
+        </p:txBody>
+      </p:sp>
+      <p:sp xmlns:a="http://schemas.openxmlformats.org/drawingml/2006/main" xmlns:r="http://schemas.openxmlformats.org/officeDocument/2006/relationships" xmlns:p="http://schemas.openxmlformats.org/presentationml/2006/main">
+        <p:nvSpPr>
+          <p:cNvPr id="5" name="Footer Placeholder 2"/>
+          <p:cNvSpPr>
+            <a:spLocks noGrp="1"/>
+          </p:cNvSpPr>
+          <p:nvPr>
+            <p:ph type="ftr" sz="quarter" idx="11"/>
+          </p:nvPr>
+        </p:nvSpPr>
+        <p:spPr>
+          <a:xfrm>
+            <a:off x="451514" y="6041362"/>
+            <a:ext cx="8644320" cy="365125"/>
+          </a:xfrm>
+        </p:spPr>
+        <p:txBody>
+          <a:bodyPr/>
+          <a:lstStyle/>
+          <a:p>
+            <a:r>
+              <a:rPr/>
+              <a:t>Position:  ftr 
+Layout:  Name Card</a:t>
+            </a:r>
+          </a:p>
+        </p:txBody>
+      </p:sp>
+      <p:sp xmlns:a="http://schemas.openxmlformats.org/drawingml/2006/main" xmlns:r="http://schemas.openxmlformats.org/officeDocument/2006/relationships" xmlns:p="http://schemas.openxmlformats.org/presentationml/2006/main">
+        <p:nvSpPr>
+          <p:cNvPr id="6" name="Slide Number Placeholder 3"/>
+          <p:cNvSpPr>
+            <a:spLocks noGrp="1"/>
+          </p:cNvSpPr>
+          <p:nvPr>
+            <p:ph type="sldNum" sz="quarter" idx="12"/>
+          </p:nvPr>
+        </p:nvSpPr>
+        <p:spPr>
+          <a:xfrm>
+            <a:off x="10678331" y="5915888"/>
+            <a:ext cx="1062155" cy="490599"/>
+          </a:xfrm>
+        </p:spPr>
+        <p:txBody>
+          <a:bodyPr/>
+          <a:lstStyle/>
+          <a:p>
+            <a:r>
+              <a:rPr/>
+              <a:t>Position:  sldNum 
+Layout:  Name Card</a:t>
+            </a:r>
+          </a:p>
+        </p:txBody>
+      </p:sp>
+      <p:sp xmlns:a="http://schemas.openxmlformats.org/drawingml/2006/main" xmlns:r="http://schemas.openxmlformats.org/officeDocument/2006/relationships" xmlns:p="http://schemas.openxmlformats.org/presentationml/2006/main">
+        <p:nvSpPr>
+          <p:cNvPr id="7" name="Title 1"/>
+          <p:cNvSpPr>
+            <a:spLocks noGrp="1"/>
+          </p:cNvSpPr>
+          <p:nvPr>
+            <p:ph type="title"/>
+          </p:nvPr>
+        </p:nvSpPr>
+        <p:spPr>
+          <a:xfrm>
+            <a:off x="1357089" y="2435957"/>
+            <a:ext cx="4382521" cy="2007789"/>
+          </a:xfrm>
+        </p:spPr>
+        <p:txBody>
+          <a:bodyPr/>
+          <a:lstStyle/>
+          <a:p>
+            <a:r>
+              <a:rPr/>
+              <a:t>Position:  title 
+Layout:  Name Card</a:t>
+            </a:r>
+          </a:p>
+        </p:txBody>
+      </p:sp>
+    </p:spTree>
+  </p:cSld>
+  <p:clrMapOvr>
+    <a:masterClrMapping/>
+  </p:clrMapOvr>
+</p:sld>
+</file>
+
+<file path=ppt/slides/slide5.xml><?xml version="1.0" encoding="utf-8"?>
+<p:sld xmlns:a="http://schemas.openxmlformats.org/drawingml/2006/main" xmlns:r="http://schemas.openxmlformats.org/officeDocument/2006/relationships" xmlns:p="http://schemas.openxmlformats.org/presentationml/2006/main">
+  <p:cSld>
+    <p:spTree>
+      <p:nvGrpSpPr>
+        <p:cNvPr id="1" name=""/>
+        <p:cNvGrpSpPr/>
+        <p:nvPr/>
+      </p:nvGrpSpPr>
+      <p:grpSpPr>
+        <a:xfrm>
+          <a:off x="0" y="0"/>
+          <a:ext cx="0" cy="0"/>
+          <a:chOff x="0" y="0"/>
+          <a:chExt cx="0" cy="0"/>
+        </a:xfrm>
+      </p:grpSpPr>
+      <p:sp xmlns:a="http://schemas.openxmlformats.org/drawingml/2006/main" xmlns:r="http://schemas.openxmlformats.org/officeDocument/2006/relationships" xmlns:p="http://schemas.openxmlformats.org/presentationml/2006/main">
+        <p:nvSpPr>
+          <p:cNvPr id="2" name="Freeform 6"/>
+          <p:cNvSpPr>
+            <a:spLocks noGrp="1"/>
+          </p:cNvSpPr>
+          <p:nvPr>
+            <p:ph/>
+          </p:nvPr>
+        </p:nvSpPr>
+        <p:spPr>
+          <a:xfrm>
+            <a:off x="0" y="0"/>
+            <a:ext cx="12192000" cy="2185988"/>
+          </a:xfrm>
+        </p:spPr>
+        <p:txBody>
+          <a:bodyPr/>
+          <a:lstStyle/>
+          <a:p>
+            <a:r>
+              <a:rPr/>
+              <a:t>Position:  body 
+Layout:  Title and Vertical Text 
+Index: 1</a:t>
+            </a:r>
+          </a:p>
+        </p:txBody>
+      </p:sp>
+      <p:sp xmlns:a="http://schemas.openxmlformats.org/drawingml/2006/main" xmlns:r="http://schemas.openxmlformats.org/officeDocument/2006/relationships" xmlns:p="http://schemas.openxmlformats.org/presentationml/2006/main">
+        <p:nvSpPr>
+          <p:cNvPr id="3" name="Vertical Text Placeholder 2"/>
+          <p:cNvSpPr>
+            <a:spLocks noGrp="1"/>
+          </p:cNvSpPr>
+          <p:nvPr>
+            <p:ph type="body" orient="vert" idx="1"/>
+          </p:nvPr>
+        </p:nvSpPr>
+        <p:spPr>
+          <a:xfrm>
+            <a:off x="810000" y="2184401"/>
+            <a:ext cx="10563285" cy="3674397"/>
+          </a:xfrm>
+        </p:spPr>
+        <p:txBody>
+          <a:bodyPr/>
+          <a:lstStyle/>
+          <a:p>
+            <a:r>
+              <a:rPr/>
+              <a:t>Position:  body 
+Layout:  Title and Vertical Text 
+Index: 2</a:t>
+            </a:r>
+          </a:p>
+        </p:txBody>
+      </p:sp>
+      <p:sp xmlns:a="http://schemas.openxmlformats.org/drawingml/2006/main" xmlns:r="http://schemas.openxmlformats.org/officeDocument/2006/relationships" xmlns:p="http://schemas.openxmlformats.org/presentationml/2006/main">
+        <p:nvSpPr>
+          <p:cNvPr id="4" name="Date Placeholder 3"/>
+          <p:cNvSpPr>
+            <a:spLocks noGrp="1"/>
+          </p:cNvSpPr>
+          <p:nvPr>
+            <p:ph type="dt" sz="half" idx="10"/>
+          </p:nvPr>
+        </p:nvSpPr>
+        <p:spPr>
+          <a:xfrm>
+            <a:off x="9334626" y="6041362"/>
+            <a:ext cx="1343706" cy="365125"/>
+          </a:xfrm>
+        </p:spPr>
+        <p:txBody>
+          <a:bodyPr/>
+          <a:lstStyle/>
+          <a:p>
+            <a:r>
+              <a:rPr/>
+              <a:t>Position:  dt 
+Layout:  Title and Vertical Text</a:t>
+            </a:r>
+          </a:p>
+        </p:txBody>
+      </p:sp>
+      <p:sp xmlns:a="http://schemas.openxmlformats.org/drawingml/2006/main" xmlns:r="http://schemas.openxmlformats.org/officeDocument/2006/relationships" xmlns:p="http://schemas.openxmlformats.org/presentationml/2006/main">
+        <p:nvSpPr>
+          <p:cNvPr id="5" name="Footer Placeholder 4"/>
+          <p:cNvSpPr>
+            <a:spLocks noGrp="1"/>
+          </p:cNvSpPr>
+          <p:nvPr>
+            <p:ph type="ftr" sz="quarter" idx="11"/>
+          </p:nvPr>
+        </p:nvSpPr>
+        <p:spPr>
+          <a:xfrm>
+            <a:off x="451514" y="6041362"/>
+            <a:ext cx="8644320" cy="365125"/>
+          </a:xfrm>
+        </p:spPr>
+        <p:txBody>
+          <a:bodyPr/>
+          <a:lstStyle/>
+          <a:p>
+            <a:r>
+              <a:rPr/>
+              <a:t>Position:  ftr 
+Layout:  Title and Vertical Text</a:t>
+            </a:r>
+          </a:p>
+        </p:txBody>
+      </p:sp>
+      <p:sp xmlns:a="http://schemas.openxmlformats.org/drawingml/2006/main" xmlns:r="http://schemas.openxmlformats.org/officeDocument/2006/relationships" xmlns:p="http://schemas.openxmlformats.org/presentationml/2006/main">
+        <p:nvSpPr>
+          <p:cNvPr id="6" name="Slide Number Placeholder 5"/>
+          <p:cNvSpPr>
+            <a:spLocks noGrp="1"/>
+          </p:cNvSpPr>
+          <p:nvPr>
+            <p:ph type="sldNum" sz="quarter" idx="12"/>
+          </p:nvPr>
+        </p:nvSpPr>
+        <p:spPr>
+          <a:xfrm>
+            <a:off x="10678331" y="5915888"/>
+            <a:ext cx="1062155" cy="490599"/>
+          </a:xfrm>
+        </p:spPr>
+        <p:txBody>
+          <a:bodyPr/>
+          <a:lstStyle/>
+          <a:p>
+            <a:r>
+              <a:rPr/>
+              <a:t>Position:  sldNum 
+Layout:  Title and Vertical Text</a:t>
+            </a:r>
+          </a:p>
+        </p:txBody>
+      </p:sp>
+      <p:sp xmlns:a="http://schemas.openxmlformats.org/drawingml/2006/main" xmlns:r="http://schemas.openxmlformats.org/officeDocument/2006/relationships" xmlns:p="http://schemas.openxmlformats.org/presentationml/2006/main">
+        <p:nvSpPr>
+          <p:cNvPr id="7" name="Title 1"/>
           <p:cNvSpPr>
             <a:spLocks noGrp="1"/>
           </p:cNvSpPr>
@@ -5625,37 +7239,544 @@
           <a:p>
             <a:r>
               <a:rPr/>
-              <a:t>Miles/(US) gallon dependence on Displacement (cubic inches)</a:t>
-            </a:r>
-          </a:p>
-        </p:txBody>
-      </p:sp>
-      <p:pic xmlns:a="http://schemas.openxmlformats.org/drawingml/2006/main" xmlns:r="http://schemas.openxmlformats.org/officeDocument/2006/relationships" xmlns:p="http://schemas.openxmlformats.org/presentationml/2006/main">
-        <p:nvPicPr>
-          <p:cNvPr id="3" name="Content Placeholder 2"/>
-          <p:cNvPicPr>
-            <a:picLocks noGrp="1"/>
-          </p:cNvPicPr>
+              <a:t>Position:  title 
+Layout:  Title and Vertical Text</a:t>
+            </a:r>
+          </a:p>
+        </p:txBody>
+      </p:sp>
+    </p:spTree>
+  </p:cSld>
+  <p:clrMapOvr>
+    <a:masterClrMapping/>
+  </p:clrMapOvr>
+</p:sld>
+</file>
+
+<file path=ppt/slides/slide6.xml><?xml version="1.0" encoding="utf-8"?>
+<p:sld xmlns:a="http://schemas.openxmlformats.org/drawingml/2006/main" xmlns:r="http://schemas.openxmlformats.org/officeDocument/2006/relationships" xmlns:p="http://schemas.openxmlformats.org/presentationml/2006/main">
+  <p:cSld>
+    <p:spTree>
+      <p:nvGrpSpPr>
+        <p:cNvPr id="1" name=""/>
+        <p:cNvGrpSpPr/>
+        <p:nvPr/>
+      </p:nvGrpSpPr>
+      <p:grpSpPr>
+        <a:xfrm>
+          <a:off x="0" y="0"/>
+          <a:ext cx="0" cy="0"/>
+          <a:chOff x="0" y="0"/>
+          <a:chExt cx="0" cy="0"/>
+        </a:xfrm>
+      </p:grpSpPr>
+      <p:sp xmlns:a="http://schemas.openxmlformats.org/drawingml/2006/main" xmlns:r="http://schemas.openxmlformats.org/officeDocument/2006/relationships" xmlns:p="http://schemas.openxmlformats.org/presentationml/2006/main">
+        <p:nvSpPr>
+          <p:cNvPr id="2" name="Freeform 6"/>
+          <p:cNvSpPr>
+            <a:spLocks noGrp="1"/>
+          </p:cNvSpPr>
+          <p:nvPr>
+            <p:ph/>
+          </p:nvPr>
+        </p:nvSpPr>
+        <p:spPr>
+          <a:xfrm>
+            <a:off x="7669651" y="446089"/>
+            <a:ext cx="4522349" cy="5414962"/>
+          </a:xfrm>
+        </p:spPr>
+        <p:txBody>
+          <a:bodyPr/>
+          <a:lstStyle/>
+          <a:p>
+            <a:r>
+              <a:rPr/>
+              <a:t>Position:  body 
+Layout:  Vertical Title and Text 
+Index: 1</a:t>
+            </a:r>
+          </a:p>
+        </p:txBody>
+      </p:sp>
+      <p:sp xmlns:a="http://schemas.openxmlformats.org/drawingml/2006/main" xmlns:r="http://schemas.openxmlformats.org/officeDocument/2006/relationships" xmlns:p="http://schemas.openxmlformats.org/presentationml/2006/main">
+        <p:nvSpPr>
+          <p:cNvPr id="3" name="Vertical Text Placeholder 2"/>
+          <p:cNvSpPr>
+            <a:spLocks noGrp="1"/>
+          </p:cNvSpPr>
+          <p:nvPr>
+            <p:ph type="body" orient="vert" idx="1"/>
+          </p:nvPr>
+        </p:nvSpPr>
+        <p:spPr>
+          <a:xfrm>
+            <a:off x="810001" y="446089"/>
+            <a:ext cx="6611540" cy="5414962"/>
+          </a:xfrm>
+        </p:spPr>
+        <p:txBody>
+          <a:bodyPr/>
+          <a:lstStyle/>
+          <a:p>
+            <a:r>
+              <a:rPr/>
+              <a:t>Position:  body 
+Layout:  Vertical Title and Text 
+Index: 2</a:t>
+            </a:r>
+          </a:p>
+        </p:txBody>
+      </p:sp>
+      <p:sp xmlns:a="http://schemas.openxmlformats.org/drawingml/2006/main" xmlns:r="http://schemas.openxmlformats.org/officeDocument/2006/relationships" xmlns:p="http://schemas.openxmlformats.org/presentationml/2006/main">
+        <p:nvSpPr>
+          <p:cNvPr id="4" name="Date Placeholder 3"/>
+          <p:cNvSpPr>
+            <a:spLocks noGrp="1"/>
+          </p:cNvSpPr>
+          <p:nvPr>
+            <p:ph type="dt" sz="half" idx="10"/>
+          </p:nvPr>
+        </p:nvSpPr>
+        <p:spPr>
+          <a:xfrm>
+            <a:off x="9334626" y="6041362"/>
+            <a:ext cx="1343706" cy="365125"/>
+          </a:xfrm>
+        </p:spPr>
+        <p:txBody>
+          <a:bodyPr/>
+          <a:lstStyle/>
+          <a:p>
+            <a:r>
+              <a:rPr/>
+              <a:t>Position:  dt 
+Layout:  Vertical Title and Text</a:t>
+            </a:r>
+          </a:p>
+        </p:txBody>
+      </p:sp>
+      <p:sp xmlns:a="http://schemas.openxmlformats.org/drawingml/2006/main" xmlns:r="http://schemas.openxmlformats.org/officeDocument/2006/relationships" xmlns:p="http://schemas.openxmlformats.org/presentationml/2006/main">
+        <p:nvSpPr>
+          <p:cNvPr id="5" name="Footer Placeholder 4"/>
+          <p:cNvSpPr>
+            <a:spLocks noGrp="1"/>
+          </p:cNvSpPr>
+          <p:nvPr>
+            <p:ph type="ftr" sz="quarter" idx="11"/>
+          </p:nvPr>
+        </p:nvSpPr>
+        <p:spPr>
+          <a:xfrm>
+            <a:off x="451514" y="6041362"/>
+            <a:ext cx="8644320" cy="365125"/>
+          </a:xfrm>
+        </p:spPr>
+        <p:txBody>
+          <a:bodyPr/>
+          <a:lstStyle/>
+          <a:p>
+            <a:r>
+              <a:rPr/>
+              <a:t>Position:  ftr 
+Layout:  Vertical Title and Text</a:t>
+            </a:r>
+          </a:p>
+        </p:txBody>
+      </p:sp>
+      <p:sp xmlns:a="http://schemas.openxmlformats.org/drawingml/2006/main" xmlns:r="http://schemas.openxmlformats.org/officeDocument/2006/relationships" xmlns:p="http://schemas.openxmlformats.org/presentationml/2006/main">
+        <p:nvSpPr>
+          <p:cNvPr id="6" name="Slide Number Placeholder 5"/>
+          <p:cNvSpPr>
+            <a:spLocks noGrp="1"/>
+          </p:cNvSpPr>
+          <p:nvPr>
+            <p:ph type="sldNum" sz="quarter" idx="12"/>
+          </p:nvPr>
+        </p:nvSpPr>
+        <p:spPr>
+          <a:xfrm>
+            <a:off x="10678331" y="5915888"/>
+            <a:ext cx="1062155" cy="490599"/>
+          </a:xfrm>
+        </p:spPr>
+        <p:txBody>
+          <a:bodyPr/>
+          <a:lstStyle/>
+          <a:p>
+            <a:r>
+              <a:rPr/>
+              <a:t>Position:  sldNum 
+Layout:  Vertical Title and Text</a:t>
+            </a:r>
+          </a:p>
+        </p:txBody>
+      </p:sp>
+      <p:sp xmlns:a="http://schemas.openxmlformats.org/drawingml/2006/main" xmlns:r="http://schemas.openxmlformats.org/officeDocument/2006/relationships" xmlns:p="http://schemas.openxmlformats.org/presentationml/2006/main">
+        <p:nvSpPr>
+          <p:cNvPr id="7" name="Vertical Title 1"/>
+          <p:cNvSpPr>
+            <a:spLocks noGrp="1"/>
+          </p:cNvSpPr>
+          <p:nvPr>
+            <p:ph type="title" orient="vert"/>
+          </p:nvPr>
+        </p:nvSpPr>
+        <p:spPr>
+          <a:xfrm>
+            <a:off x="8183540" y="586171"/>
+            <a:ext cx="2494791" cy="5134798"/>
+          </a:xfrm>
+        </p:spPr>
+        <p:txBody>
+          <a:bodyPr/>
+          <a:lstStyle/>
+          <a:p>
+            <a:r>
+              <a:rPr/>
+              <a:t>Position:  title 
+Layout:  Vertical Title and Text</a:t>
+            </a:r>
+          </a:p>
+        </p:txBody>
+      </p:sp>
+    </p:spTree>
+  </p:cSld>
+  <p:clrMapOvr>
+    <a:masterClrMapping/>
+  </p:clrMapOvr>
+</p:sld>
+</file>
+
+<file path=ppt/slides/slide7.xml><?xml version="1.0" encoding="utf-8"?>
+<p:sld xmlns:a="http://schemas.openxmlformats.org/drawingml/2006/main" xmlns:r="http://schemas.openxmlformats.org/officeDocument/2006/relationships" xmlns:p="http://schemas.openxmlformats.org/presentationml/2006/main">
+  <p:cSld>
+    <p:spTree>
+      <p:nvGrpSpPr>
+        <p:cNvPr id="1" name=""/>
+        <p:cNvGrpSpPr/>
+        <p:nvPr/>
+      </p:nvGrpSpPr>
+      <p:grpSpPr>
+        <a:xfrm>
+          <a:off x="0" y="0"/>
+          <a:ext cx="0" cy="0"/>
+          <a:chOff x="0" y="0"/>
+          <a:chExt cx="0" cy="0"/>
+        </a:xfrm>
+      </p:grpSpPr>
+      <p:sp xmlns:a="http://schemas.openxmlformats.org/drawingml/2006/main" xmlns:r="http://schemas.openxmlformats.org/officeDocument/2006/relationships" xmlns:p="http://schemas.openxmlformats.org/presentationml/2006/main">
+        <p:nvSpPr>
+          <p:cNvPr id="2" name="Freeform 6"/>
+          <p:cNvSpPr>
+            <a:spLocks noGrp="1"/>
+          </p:cNvSpPr>
+          <p:nvPr>
+            <p:ph/>
+          </p:nvPr>
+        </p:nvSpPr>
+        <p:spPr>
+          <a:xfrm>
+            <a:off x="0" y="0"/>
+            <a:ext cx="12192000" cy="2185988"/>
+          </a:xfrm>
+        </p:spPr>
+        <p:txBody>
+          <a:bodyPr/>
+          <a:lstStyle/>
+          <a:p>
+            <a:r>
+              <a:rPr/>
+              <a:t>Position:  body 
+Layout:  Title and Content 
+Index: 1</a:t>
+            </a:r>
+          </a:p>
+        </p:txBody>
+      </p:sp>
+      <p:sp xmlns:a="http://schemas.openxmlformats.org/drawingml/2006/main" xmlns:r="http://schemas.openxmlformats.org/officeDocument/2006/relationships" xmlns:p="http://schemas.openxmlformats.org/presentationml/2006/main">
+        <p:nvSpPr>
+          <p:cNvPr id="3" name="Date Placeholder 3"/>
+          <p:cNvSpPr>
+            <a:spLocks noGrp="1"/>
+          </p:cNvSpPr>
+          <p:nvPr>
+            <p:ph type="dt" sz="half" idx="10"/>
+          </p:nvPr>
+        </p:nvSpPr>
+        <p:spPr>
+          <a:xfrm>
+            <a:off x="9334626" y="6041362"/>
+            <a:ext cx="1343706" cy="365125"/>
+          </a:xfrm>
+        </p:spPr>
+        <p:txBody>
+          <a:bodyPr/>
+          <a:lstStyle/>
+          <a:p>
+            <a:r>
+              <a:rPr/>
+              <a:t>Position:  dt 
+Layout:  Title and Content</a:t>
+            </a:r>
+          </a:p>
+        </p:txBody>
+      </p:sp>
+      <p:sp xmlns:a="http://schemas.openxmlformats.org/drawingml/2006/main" xmlns:r="http://schemas.openxmlformats.org/officeDocument/2006/relationships" xmlns:p="http://schemas.openxmlformats.org/presentationml/2006/main">
+        <p:nvSpPr>
+          <p:cNvPr id="4" name="Footer Placeholder 4"/>
+          <p:cNvSpPr>
+            <a:spLocks noGrp="1"/>
+          </p:cNvSpPr>
+          <p:nvPr>
+            <p:ph type="ftr" sz="quarter" idx="11"/>
+          </p:nvPr>
+        </p:nvSpPr>
+        <p:spPr>
+          <a:xfrm>
+            <a:off x="451514" y="6041362"/>
+            <a:ext cx="8644320" cy="365125"/>
+          </a:xfrm>
+        </p:spPr>
+        <p:txBody>
+          <a:bodyPr/>
+          <a:lstStyle/>
+          <a:p>
+            <a:r>
+              <a:rPr/>
+              <a:t>Position:  ftr 
+Layout:  Title and Content</a:t>
+            </a:r>
+          </a:p>
+        </p:txBody>
+      </p:sp>
+      <p:sp xmlns:a="http://schemas.openxmlformats.org/drawingml/2006/main" xmlns:r="http://schemas.openxmlformats.org/officeDocument/2006/relationships" xmlns:p="http://schemas.openxmlformats.org/presentationml/2006/main">
+        <p:nvSpPr>
+          <p:cNvPr id="5" name="Slide Number Placeholder 5"/>
+          <p:cNvSpPr>
+            <a:spLocks noGrp="1"/>
+          </p:cNvSpPr>
+          <p:nvPr>
+            <p:ph type="sldNum" sz="quarter" idx="12"/>
+          </p:nvPr>
+        </p:nvSpPr>
+        <p:spPr>
+          <a:xfrm>
+            <a:off x="10678331" y="5915888"/>
+            <a:ext cx="1062155" cy="490599"/>
+          </a:xfrm>
+        </p:spPr>
+        <p:txBody>
+          <a:bodyPr/>
+          <a:lstStyle/>
+          <a:p>
+            <a:r>
+              <a:rPr/>
+              <a:t>Position:  sldNum 
+Layout:  Title and Content</a:t>
+            </a:r>
+          </a:p>
+        </p:txBody>
+      </p:sp>
+      <p:sp xmlns:a="http://schemas.openxmlformats.org/drawingml/2006/main" xmlns:r="http://schemas.openxmlformats.org/officeDocument/2006/relationships" xmlns:p="http://schemas.openxmlformats.org/presentationml/2006/main">
+        <p:nvSpPr>
+          <p:cNvPr id="6" name="Title 1"/>
+          <p:cNvSpPr>
+            <a:spLocks noGrp="1"/>
+          </p:cNvSpPr>
+          <p:nvPr>
+            <p:ph type="title"/>
+          </p:nvPr>
+        </p:nvSpPr>
+        <p:spPr>
+          <a:xfrm>
+            <a:off x="810000" y="447188"/>
+            <a:ext cx="10571998" cy="970450"/>
+          </a:xfrm>
+        </p:spPr>
+        <p:txBody>
+          <a:bodyPr/>
+          <a:lstStyle/>
+          <a:p>
+            <a:r>
+              <a:rPr/>
+              <a:t>Position:  title 
+Layout:  Title and Content</a:t>
+            </a:r>
+          </a:p>
+        </p:txBody>
+      </p:sp>
+      <p:sp xmlns:a="http://schemas.openxmlformats.org/drawingml/2006/main" xmlns:r="http://schemas.openxmlformats.org/officeDocument/2006/relationships" xmlns:p="http://schemas.openxmlformats.org/presentationml/2006/main">
+        <p:nvSpPr>
+          <p:cNvPr id="7" name="Content Placeholder 2"/>
+          <p:cNvSpPr>
+            <a:spLocks noGrp="1"/>
+          </p:cNvSpPr>
           <p:nvPr>
             <p:ph idx="1"/>
           </p:nvPr>
-        </p:nvPicPr>
-        <p:blipFill>
-          <a:blip cstate="print" r:embed="rId2"/>
-          <a:stretch>
-            <a:fillRect/>
-          </a:stretch>
-        </p:blipFill>
+        </p:nvSpPr>
         <p:spPr>
           <a:xfrm>
             <a:off x="818712" y="2222287"/>
             <a:ext cx="10554574" cy="3636511"/>
           </a:xfrm>
         </p:spPr>
-      </p:pic>
+        <p:txBody>
+          <a:bodyPr/>
+          <a:lstStyle/>
+          <a:p>
+            <a:r>
+              <a:rPr/>
+              <a:t>Position:  body 
+Layout:  Title and Content 
+Index: 2</a:t>
+            </a:r>
+          </a:p>
+        </p:txBody>
+      </p:sp>
+    </p:spTree>
+  </p:cSld>
+  <p:clrMapOvr>
+    <a:masterClrMapping/>
+  </p:clrMapOvr>
+</p:sld>
+</file>
+
+<file path=ppt/slides/slide8.xml><?xml version="1.0" encoding="utf-8"?>
+<p:sld xmlns:a="http://schemas.openxmlformats.org/drawingml/2006/main" xmlns:r="http://schemas.openxmlformats.org/officeDocument/2006/relationships" xmlns:p="http://schemas.openxmlformats.org/presentationml/2006/main">
+  <p:cSld>
+    <p:spTree>
+      <p:nvGrpSpPr>
+        <p:cNvPr id="1" name=""/>
+        <p:cNvGrpSpPr/>
+        <p:nvPr/>
+      </p:nvGrpSpPr>
+      <p:grpSpPr>
+        <a:xfrm>
+          <a:off x="0" y="0"/>
+          <a:ext cx="0" cy="0"/>
+          <a:chOff x="0" y="0"/>
+          <a:chExt cx="0" cy="0"/>
+        </a:xfrm>
+      </p:grpSpPr>
       <p:sp xmlns:a="http://schemas.openxmlformats.org/drawingml/2006/main" xmlns:r="http://schemas.openxmlformats.org/officeDocument/2006/relationships" xmlns:p="http://schemas.openxmlformats.org/presentationml/2006/main">
         <p:nvSpPr>
-          <p:cNvPr id="4" name="Slide Number Placeholder 5"/>
+          <p:cNvPr id="2" name="Freeform 7"/>
+          <p:cNvSpPr>
+            <a:spLocks noGrp="1"/>
+          </p:cNvSpPr>
+          <p:nvPr>
+            <p:ph/>
+          </p:nvPr>
+        </p:nvSpPr>
+        <p:spPr>
+          <a:xfrm>
+            <a:off x="0" y="1"/>
+            <a:ext cx="12192000" cy="5203825"/>
+          </a:xfrm>
+        </p:spPr>
+        <p:txBody>
+          <a:bodyPr/>
+          <a:lstStyle/>
+          <a:p>
+            <a:r>
+              <a:rPr/>
+              <a:t>Position:  body 
+Layout:  Section Header 
+Index: 1</a:t>
+            </a:r>
+          </a:p>
+        </p:txBody>
+      </p:sp>
+      <p:sp xmlns:a="http://schemas.openxmlformats.org/drawingml/2006/main" xmlns:r="http://schemas.openxmlformats.org/officeDocument/2006/relationships" xmlns:p="http://schemas.openxmlformats.org/presentationml/2006/main">
+        <p:nvSpPr>
+          <p:cNvPr id="3" name="Text Placeholder 2"/>
+          <p:cNvSpPr>
+            <a:spLocks noGrp="1"/>
+          </p:cNvSpPr>
+          <p:nvPr>
+            <p:ph type="body" idx="1"/>
+          </p:nvPr>
+        </p:nvSpPr>
+        <p:spPr>
+          <a:xfrm>
+            <a:off x="810000" y="5281201"/>
+            <a:ext cx="10561418" cy="433955"/>
+          </a:xfrm>
+        </p:spPr>
+        <p:txBody>
+          <a:bodyPr/>
+          <a:lstStyle/>
+          <a:p>
+            <a:r>
+              <a:rPr/>
+              <a:t>Position:  body 
+Layout:  Section Header 
+Index: 2</a:t>
+            </a:r>
+          </a:p>
+        </p:txBody>
+      </p:sp>
+      <p:sp xmlns:a="http://schemas.openxmlformats.org/drawingml/2006/main" xmlns:r="http://schemas.openxmlformats.org/officeDocument/2006/relationships" xmlns:p="http://schemas.openxmlformats.org/presentationml/2006/main">
+        <p:nvSpPr>
+          <p:cNvPr id="4" name="Date Placeholder 3"/>
+          <p:cNvSpPr>
+            <a:spLocks noGrp="1"/>
+          </p:cNvSpPr>
+          <p:nvPr>
+            <p:ph type="dt" sz="half" idx="10"/>
+          </p:nvPr>
+        </p:nvSpPr>
+        <p:spPr>
+          <a:xfrm>
+            <a:off x="9334626" y="6041362"/>
+            <a:ext cx="1343706" cy="365125"/>
+          </a:xfrm>
+        </p:spPr>
+        <p:txBody>
+          <a:bodyPr/>
+          <a:lstStyle/>
+          <a:p>
+            <a:r>
+              <a:rPr/>
+              <a:t>Position:  dt 
+Layout:  Section Header</a:t>
+            </a:r>
+          </a:p>
+        </p:txBody>
+      </p:sp>
+      <p:sp xmlns:a="http://schemas.openxmlformats.org/drawingml/2006/main" xmlns:r="http://schemas.openxmlformats.org/officeDocument/2006/relationships" xmlns:p="http://schemas.openxmlformats.org/presentationml/2006/main">
+        <p:nvSpPr>
+          <p:cNvPr id="5" name="Footer Placeholder 4"/>
+          <p:cNvSpPr>
+            <a:spLocks noGrp="1"/>
+          </p:cNvSpPr>
+          <p:nvPr>
+            <p:ph type="ftr" sz="quarter" idx="11"/>
+          </p:nvPr>
+        </p:nvSpPr>
+        <p:spPr>
+          <a:xfrm>
+            <a:off x="451514" y="6041362"/>
+            <a:ext cx="8644320" cy="365125"/>
+          </a:xfrm>
+        </p:spPr>
+        <p:txBody>
+          <a:bodyPr/>
+          <a:lstStyle/>
+          <a:p>
+            <a:r>
+              <a:rPr/>
+              <a:t>Position:  ftr 
+Layout:  Section Header</a:t>
+            </a:r>
+          </a:p>
+        </p:txBody>
+      </p:sp>
+      <p:sp xmlns:a="http://schemas.openxmlformats.org/drawingml/2006/main" xmlns:r="http://schemas.openxmlformats.org/officeDocument/2006/relationships" xmlns:p="http://schemas.openxmlformats.org/presentationml/2006/main">
+        <p:nvSpPr>
+          <p:cNvPr id="6" name="Slide Number Placeholder 5"/>
           <p:cNvSpPr>
             <a:spLocks noGrp="1"/>
           </p:cNvSpPr>
@@ -5675,7 +7796,260 @@
           <a:p>
             <a:r>
               <a:rPr/>
-              <a:t>4</a:t>
+              <a:t>Position:  sldNum 
+Layout:  Section Header</a:t>
+            </a:r>
+          </a:p>
+        </p:txBody>
+      </p:sp>
+      <p:sp xmlns:a="http://schemas.openxmlformats.org/drawingml/2006/main" xmlns:r="http://schemas.openxmlformats.org/officeDocument/2006/relationships" xmlns:p="http://schemas.openxmlformats.org/presentationml/2006/main">
+        <p:nvSpPr>
+          <p:cNvPr id="7" name="Title 1"/>
+          <p:cNvSpPr>
+            <a:spLocks noGrp="1"/>
+          </p:cNvSpPr>
+          <p:nvPr>
+            <p:ph type="title"/>
+          </p:nvPr>
+        </p:nvSpPr>
+        <p:spPr>
+          <a:xfrm>
+            <a:off x="810000" y="2951396"/>
+            <a:ext cx="10561418" cy="1468800"/>
+          </a:xfrm>
+        </p:spPr>
+        <p:txBody>
+          <a:bodyPr/>
+          <a:lstStyle/>
+          <a:p>
+            <a:r>
+              <a:rPr/>
+              <a:t>Position:  title 
+Layout:  Section Header</a:t>
+            </a:r>
+          </a:p>
+        </p:txBody>
+      </p:sp>
+    </p:spTree>
+  </p:cSld>
+  <p:clrMapOvr>
+    <a:masterClrMapping/>
+  </p:clrMapOvr>
+</p:sld>
+</file>
+
+<file path=ppt/slides/slide9.xml><?xml version="1.0" encoding="utf-8"?>
+<p:sld xmlns:a="http://schemas.openxmlformats.org/drawingml/2006/main" xmlns:r="http://schemas.openxmlformats.org/officeDocument/2006/relationships" xmlns:p="http://schemas.openxmlformats.org/presentationml/2006/main">
+  <p:cSld>
+    <p:spTree>
+      <p:nvGrpSpPr>
+        <p:cNvPr id="1" name=""/>
+        <p:cNvGrpSpPr/>
+        <p:nvPr/>
+      </p:nvGrpSpPr>
+      <p:grpSpPr>
+        <a:xfrm>
+          <a:off x="0" y="0"/>
+          <a:ext cx="0" cy="0"/>
+          <a:chOff x="0" y="0"/>
+          <a:chExt cx="0" cy="0"/>
+        </a:xfrm>
+      </p:grpSpPr>
+      <p:sp xmlns:a="http://schemas.openxmlformats.org/drawingml/2006/main" xmlns:r="http://schemas.openxmlformats.org/officeDocument/2006/relationships" xmlns:p="http://schemas.openxmlformats.org/presentationml/2006/main">
+        <p:nvSpPr>
+          <p:cNvPr id="2" name="Freeform 6"/>
+          <p:cNvSpPr>
+            <a:spLocks noGrp="1"/>
+          </p:cNvSpPr>
+          <p:nvPr>
+            <p:ph/>
+          </p:nvPr>
+        </p:nvSpPr>
+        <p:spPr>
+          <a:xfrm>
+            <a:off x="0" y="0"/>
+            <a:ext cx="12192000" cy="2185988"/>
+          </a:xfrm>
+        </p:spPr>
+        <p:txBody>
+          <a:bodyPr/>
+          <a:lstStyle/>
+          <a:p>
+            <a:r>
+              <a:rPr/>
+              <a:t>Position:  body 
+Layout:  Two Content 
+Index: 1</a:t>
+            </a:r>
+          </a:p>
+        </p:txBody>
+      </p:sp>
+      <p:sp xmlns:a="http://schemas.openxmlformats.org/drawingml/2006/main" xmlns:r="http://schemas.openxmlformats.org/officeDocument/2006/relationships" xmlns:p="http://schemas.openxmlformats.org/presentationml/2006/main">
+        <p:nvSpPr>
+          <p:cNvPr id="3" name="Content Placeholder 3"/>
+          <p:cNvSpPr>
+            <a:spLocks noGrp="1"/>
+          </p:cNvSpPr>
+          <p:nvPr>
+            <p:ph sz="half" idx="2"/>
+          </p:nvPr>
+        </p:nvSpPr>
+        <p:spPr>
+          <a:xfrm>
+            <a:off x="6187415" y="2222287"/>
+            <a:ext cx="5194583" cy="3638764"/>
+          </a:xfrm>
+        </p:spPr>
+        <p:txBody>
+          <a:bodyPr/>
+          <a:lstStyle/>
+          <a:p>
+            <a:r>
+              <a:rPr/>
+              <a:t>Position:  body 
+Layout:  Two Content 
+Index: 2</a:t>
+            </a:r>
+          </a:p>
+        </p:txBody>
+      </p:sp>
+      <p:sp xmlns:a="http://schemas.openxmlformats.org/drawingml/2006/main" xmlns:r="http://schemas.openxmlformats.org/officeDocument/2006/relationships" xmlns:p="http://schemas.openxmlformats.org/presentationml/2006/main">
+        <p:nvSpPr>
+          <p:cNvPr id="4" name="Date Placeholder 4"/>
+          <p:cNvSpPr>
+            <a:spLocks noGrp="1"/>
+          </p:cNvSpPr>
+          <p:nvPr>
+            <p:ph type="dt" sz="half" idx="10"/>
+          </p:nvPr>
+        </p:nvSpPr>
+        <p:spPr>
+          <a:xfrm>
+            <a:off x="9334626" y="6041362"/>
+            <a:ext cx="1343706" cy="365125"/>
+          </a:xfrm>
+        </p:spPr>
+        <p:txBody>
+          <a:bodyPr/>
+          <a:lstStyle/>
+          <a:p>
+            <a:r>
+              <a:rPr/>
+              <a:t>Position:  dt 
+Layout:  Two Content</a:t>
+            </a:r>
+          </a:p>
+        </p:txBody>
+      </p:sp>
+      <p:sp xmlns:a="http://schemas.openxmlformats.org/drawingml/2006/main" xmlns:r="http://schemas.openxmlformats.org/officeDocument/2006/relationships" xmlns:p="http://schemas.openxmlformats.org/presentationml/2006/main">
+        <p:nvSpPr>
+          <p:cNvPr id="5" name="Footer Placeholder 5"/>
+          <p:cNvSpPr>
+            <a:spLocks noGrp="1"/>
+          </p:cNvSpPr>
+          <p:nvPr>
+            <p:ph type="ftr" sz="quarter" idx="11"/>
+          </p:nvPr>
+        </p:nvSpPr>
+        <p:spPr>
+          <a:xfrm>
+            <a:off x="451514" y="6041362"/>
+            <a:ext cx="8644320" cy="365125"/>
+          </a:xfrm>
+        </p:spPr>
+        <p:txBody>
+          <a:bodyPr/>
+          <a:lstStyle/>
+          <a:p>
+            <a:r>
+              <a:rPr/>
+              <a:t>Position:  ftr 
+Layout:  Two Content</a:t>
+            </a:r>
+          </a:p>
+        </p:txBody>
+      </p:sp>
+      <p:sp xmlns:a="http://schemas.openxmlformats.org/drawingml/2006/main" xmlns:r="http://schemas.openxmlformats.org/officeDocument/2006/relationships" xmlns:p="http://schemas.openxmlformats.org/presentationml/2006/main">
+        <p:nvSpPr>
+          <p:cNvPr id="6" name="Content Placeholder 2"/>
+          <p:cNvSpPr>
+            <a:spLocks noGrp="1"/>
+          </p:cNvSpPr>
+          <p:nvPr>
+            <p:ph sz="half" idx="1"/>
+          </p:nvPr>
+        </p:nvSpPr>
+        <p:spPr>
+          <a:xfrm>
+            <a:off x="818712" y="2222287"/>
+            <a:ext cx="5185873" cy="3638763"/>
+          </a:xfrm>
+        </p:spPr>
+        <p:txBody>
+          <a:bodyPr/>
+          <a:lstStyle/>
+          <a:p>
+            <a:r>
+              <a:rPr/>
+              <a:t>Position:  body 
+Layout:  Two Content 
+Index: 3</a:t>
+            </a:r>
+          </a:p>
+        </p:txBody>
+      </p:sp>
+      <p:sp xmlns:a="http://schemas.openxmlformats.org/drawingml/2006/main" xmlns:r="http://schemas.openxmlformats.org/officeDocument/2006/relationships" xmlns:p="http://schemas.openxmlformats.org/presentationml/2006/main">
+        <p:nvSpPr>
+          <p:cNvPr id="7" name="Slide Number Placeholder 6"/>
+          <p:cNvSpPr>
+            <a:spLocks noGrp="1"/>
+          </p:cNvSpPr>
+          <p:nvPr>
+            <p:ph type="sldNum" sz="quarter" idx="12"/>
+          </p:nvPr>
+        </p:nvSpPr>
+        <p:spPr>
+          <a:xfrm>
+            <a:off x="10678331" y="5915888"/>
+            <a:ext cx="1062155" cy="490599"/>
+          </a:xfrm>
+        </p:spPr>
+        <p:txBody>
+          <a:bodyPr/>
+          <a:lstStyle/>
+          <a:p>
+            <a:r>
+              <a:rPr/>
+              <a:t>Position:  sldNum 
+Layout:  Two Content</a:t>
+            </a:r>
+          </a:p>
+        </p:txBody>
+      </p:sp>
+      <p:sp xmlns:a="http://schemas.openxmlformats.org/drawingml/2006/main" xmlns:r="http://schemas.openxmlformats.org/officeDocument/2006/relationships" xmlns:p="http://schemas.openxmlformats.org/presentationml/2006/main">
+        <p:nvSpPr>
+          <p:cNvPr id="8" name="Title 1"/>
+          <p:cNvSpPr>
+            <a:spLocks noGrp="1"/>
+          </p:cNvSpPr>
+          <p:nvPr>
+            <p:ph type="title"/>
+          </p:nvPr>
+        </p:nvSpPr>
+        <p:spPr>
+          <a:xfrm>
+            <a:off x="810000" y="447188"/>
+            <a:ext cx="10571998" cy="970450"/>
+          </a:xfrm>
+        </p:spPr>
+        <p:txBody>
+          <a:bodyPr/>
+          <a:lstStyle/>
+          <a:p>
+            <a:r>
+              <a:rPr/>
+              <a:t>Position:  title 
+Layout:  Two Content</a:t>
             </a:r>
           </a:p>
         </p:txBody>
